--- a/English/3.Modeling/0.Adding date dimension to Model.pptx
+++ b/English/3.Modeling/0.Adding date dimension to Model.pptx
@@ -18,7 +18,7 @@
   <p:notesSz cx="6858000" cy="9144000"/>
   <p:defaultTextStyle>
     <a:defPPr>
-      <a:defRPr lang="en-US"/>
+      <a:defRPr lang="en"/>
     </a:defPPr>
     <a:lvl1pPr marL="0" algn="l" defTabSz="914400" rtl="0" eaLnBrk="1" latinLnBrk="0" hangingPunct="1">
       <a:defRPr sz="1800" kern="1200">
@@ -201,7 +201,7 @@
           <a:p>
             <a:fld id="{056BA3B8-9F76-4D81-B71D-76CB85363062}" type="datetimeFigureOut">
               <a:rPr lang="en-US" smtClean="0"/>
-              <a:t>1/2/2025</a:t>
+              <a:t>3/4/2025</a:t>
             </a:fld>
             <a:endParaRPr lang="en-US"/>
           </a:p>
@@ -600,7 +600,7 @@
           <a:p>
             <a:fld id="{6F01DA4D-20EA-48D2-973C-0311EC3005D6}" type="datetimeFigureOut">
               <a:rPr lang="en-US" smtClean="0"/>
-              <a:t>1/2/2025</a:t>
+              <a:t>3/4/2025</a:t>
             </a:fld>
             <a:endParaRPr lang="en-US"/>
           </a:p>
@@ -770,7 +770,7 @@
           <a:p>
             <a:fld id="{6F01DA4D-20EA-48D2-973C-0311EC3005D6}" type="datetimeFigureOut">
               <a:rPr lang="en-US" smtClean="0"/>
-              <a:t>1/2/2025</a:t>
+              <a:t>3/4/2025</a:t>
             </a:fld>
             <a:endParaRPr lang="en-US"/>
           </a:p>
@@ -950,7 +950,7 @@
           <a:p>
             <a:fld id="{6F01DA4D-20EA-48D2-973C-0311EC3005D6}" type="datetimeFigureOut">
               <a:rPr lang="en-US" smtClean="0"/>
-              <a:t>1/2/2025</a:t>
+              <a:t>3/4/2025</a:t>
             </a:fld>
             <a:endParaRPr lang="en-US"/>
           </a:p>
@@ -1120,7 +1120,7 @@
           <a:p>
             <a:fld id="{6F01DA4D-20EA-48D2-973C-0311EC3005D6}" type="datetimeFigureOut">
               <a:rPr lang="en-US" smtClean="0"/>
-              <a:t>1/2/2025</a:t>
+              <a:t>3/4/2025</a:t>
             </a:fld>
             <a:endParaRPr lang="en-US"/>
           </a:p>
@@ -1366,7 +1366,7 @@
           <a:p>
             <a:fld id="{6F01DA4D-20EA-48D2-973C-0311EC3005D6}" type="datetimeFigureOut">
               <a:rPr lang="en-US" smtClean="0"/>
-              <a:t>1/2/2025</a:t>
+              <a:t>3/4/2025</a:t>
             </a:fld>
             <a:endParaRPr lang="en-US"/>
           </a:p>
@@ -1598,7 +1598,7 @@
           <a:p>
             <a:fld id="{6F01DA4D-20EA-48D2-973C-0311EC3005D6}" type="datetimeFigureOut">
               <a:rPr lang="en-US" smtClean="0"/>
-              <a:t>1/2/2025</a:t>
+              <a:t>3/4/2025</a:t>
             </a:fld>
             <a:endParaRPr lang="en-US"/>
           </a:p>
@@ -1965,7 +1965,7 @@
           <a:p>
             <a:fld id="{6F01DA4D-20EA-48D2-973C-0311EC3005D6}" type="datetimeFigureOut">
               <a:rPr lang="en-US" smtClean="0"/>
-              <a:t>1/2/2025</a:t>
+              <a:t>3/4/2025</a:t>
             </a:fld>
             <a:endParaRPr lang="en-US"/>
           </a:p>
@@ -2083,7 +2083,7 @@
           <a:p>
             <a:fld id="{6F01DA4D-20EA-48D2-973C-0311EC3005D6}" type="datetimeFigureOut">
               <a:rPr lang="en-US" smtClean="0"/>
-              <a:t>1/2/2025</a:t>
+              <a:t>3/4/2025</a:t>
             </a:fld>
             <a:endParaRPr lang="en-US"/>
           </a:p>
@@ -2178,7 +2178,7 @@
           <a:p>
             <a:fld id="{6F01DA4D-20EA-48D2-973C-0311EC3005D6}" type="datetimeFigureOut">
               <a:rPr lang="en-US" smtClean="0"/>
-              <a:t>1/2/2025</a:t>
+              <a:t>3/4/2025</a:t>
             </a:fld>
             <a:endParaRPr lang="en-US"/>
           </a:p>
@@ -2455,7 +2455,7 @@
           <a:p>
             <a:fld id="{6F01DA4D-20EA-48D2-973C-0311EC3005D6}" type="datetimeFigureOut">
               <a:rPr lang="en-US" smtClean="0"/>
-              <a:t>1/2/2025</a:t>
+              <a:t>3/4/2025</a:t>
             </a:fld>
             <a:endParaRPr lang="en-US"/>
           </a:p>
@@ -2708,7 +2708,7 @@
           <a:p>
             <a:fld id="{6F01DA4D-20EA-48D2-973C-0311EC3005D6}" type="datetimeFigureOut">
               <a:rPr lang="en-US" smtClean="0"/>
-              <a:t>1/2/2025</a:t>
+              <a:t>3/4/2025</a:t>
             </a:fld>
             <a:endParaRPr lang="en-US"/>
           </a:p>
@@ -2921,7 +2921,7 @@
           <a:p>
             <a:fld id="{6F01DA4D-20EA-48D2-973C-0311EC3005D6}" type="datetimeFigureOut">
               <a:rPr lang="en-US" smtClean="0"/>
-              <a:t>1/2/2025</a:t>
+              <a:t>3/4/2025</a:t>
             </a:fld>
             <a:endParaRPr lang="en-US"/>
           </a:p>
@@ -3342,8 +3342,8 @@
         </p:nvSpPr>
         <p:spPr>
           <a:xfrm>
-            <a:off x="1569847" y="2078427"/>
-            <a:ext cx="9199606" cy="2308324"/>
+            <a:off x="1377342" y="1150276"/>
+            <a:ext cx="9199606" cy="3416320"/>
           </a:xfrm>
           <a:prstGeom prst="rect">
             <a:avLst/>
@@ -3356,9 +3356,9 @@
           </a:bodyPr>
           <a:lstStyle/>
           <a:p>
-            <a:pPr algn="ctr"/>
-            <a:r>
-              <a:rPr lang="en-US" sz="7200" b="1" dirty="0">
+            <a:pPr xmlns:a="http://schemas.openxmlformats.org/drawingml/2006/main" algn="ctr"/>
+            <a:r xmlns:a="http://schemas.openxmlformats.org/drawingml/2006/main">
+              <a:rPr lang="en" sz="7200" b="1" dirty="0" err="1" smtClean="0">
                 <a:solidFill>
                   <a:srgbClr val="7030A0"/>
                 </a:solidFill>
@@ -3366,9 +3366,67 @@
                 <a:ea typeface="Verdana" panose="020B0604030504040204" pitchFamily="34" charset="0"/>
                 <a:cs typeface="Segoe UI" panose="020B0502040204020203" pitchFamily="34" charset="0"/>
               </a:rPr>
-              <a:t>Adding date dimension to Model</a:t>
-            </a:r>
-            <a:endParaRPr lang="en-US" sz="7200" b="1" dirty="0">
+              <a:t>Add </a:t>
+            </a:r>
+            <a:r xmlns:a="http://schemas.openxmlformats.org/drawingml/2006/main">
+              <a:rPr lang="en" sz="7200" b="1" dirty="0" smtClean="0">
+                <a:solidFill>
+                  <a:srgbClr val="7030A0"/>
+                </a:solidFill>
+                <a:latin typeface="Segoe UI" panose="020B0502040204020203" pitchFamily="34" charset="0"/>
+                <a:ea typeface="Verdana" panose="020B0604030504040204" pitchFamily="34" charset="0"/>
+                <a:cs typeface="Segoe UI" panose="020B0502040204020203" pitchFamily="34" charset="0"/>
+              </a:rPr>
+              <a:t>the </a:t>
+            </a:r>
+            <a:r xmlns:a="http://schemas.openxmlformats.org/drawingml/2006/main">
+              <a:rPr lang="en" sz="7200" b="1" dirty="0" smtClean="0">
+                <a:solidFill>
+                  <a:srgbClr val="7030A0"/>
+                </a:solidFill>
+                <a:latin typeface="Segoe UI" panose="020B0502040204020203" pitchFamily="34" charset="0"/>
+                <a:ea typeface="Verdana" panose="020B0604030504040204" pitchFamily="34" charset="0"/>
+                <a:cs typeface="Segoe UI" panose="020B0502040204020203" pitchFamily="34" charset="0"/>
+              </a:rPr>
+              <a:t>Date </a:t>
+            </a:r>
+            <a:r xmlns:a="http://schemas.openxmlformats.org/drawingml/2006/main">
+              <a:rPr lang="en" sz="7200" b="1" dirty="0" err="1" smtClean="0">
+                <a:solidFill>
+                  <a:srgbClr val="7030A0"/>
+                </a:solidFill>
+                <a:latin typeface="Segoe UI" panose="020B0502040204020203" pitchFamily="34" charset="0"/>
+                <a:ea typeface="Verdana" panose="020B0604030504040204" pitchFamily="34" charset="0"/>
+                <a:cs typeface="Segoe UI" panose="020B0502040204020203" pitchFamily="34" charset="0"/>
+              </a:rPr>
+              <a:t>dimension</a:t>
+            </a:r>
+          </a:p>
+          <a:p>
+            <a:pPr xmlns:a="http://schemas.openxmlformats.org/drawingml/2006/main" algn="ctr"/>
+            <a:r xmlns:a="http://schemas.openxmlformats.org/drawingml/2006/main">
+              <a:rPr lang="en" sz="7200" b="1" dirty="0">
+                <a:solidFill>
+                  <a:srgbClr val="7030A0"/>
+                </a:solidFill>
+                <a:latin typeface="Segoe UI" panose="020B0502040204020203" pitchFamily="34" charset="0"/>
+                <a:ea typeface="Verdana" panose="020B0604030504040204" pitchFamily="34" charset="0"/>
+                <a:cs typeface="Segoe UI" panose="020B0502040204020203" pitchFamily="34" charset="0"/>
+              </a:rPr>
+              <a:t>to </a:t>
+            </a:r>
+            <a:r xmlns:a="http://schemas.openxmlformats.org/drawingml/2006/main">
+              <a:rPr lang="en" sz="7200" b="1" dirty="0" smtClean="0">
+                <a:solidFill>
+                  <a:srgbClr val="7030A0"/>
+                </a:solidFill>
+                <a:latin typeface="Segoe UI" panose="020B0502040204020203" pitchFamily="34" charset="0"/>
+                <a:ea typeface="Verdana" panose="020B0604030504040204" pitchFamily="34" charset="0"/>
+                <a:cs typeface="Segoe UI" panose="020B0502040204020203" pitchFamily="34" charset="0"/>
+              </a:rPr>
+              <a:t>the model</a:t>
+            </a:r>
+            <a:endParaRPr xmlns:a="http://schemas.openxmlformats.org/drawingml/2006/main" lang="en-US" sz="7200" b="1" dirty="0">
               <a:solidFill>
                 <a:srgbClr val="7030A0"/>
               </a:solidFill>
@@ -3381,14 +3439,14 @@
       </p:sp>
       <p:sp>
         <p:nvSpPr>
-          <p:cNvPr id="4" name="TextBox 3"/>
+          <p:cNvPr id="7" name="TextBox 6"/>
           <p:cNvSpPr txBox="1"/>
           <p:nvPr/>
         </p:nvSpPr>
         <p:spPr>
           <a:xfrm>
-            <a:off x="1670671" y="2014430"/>
-            <a:ext cx="8848368" cy="2308324"/>
+            <a:off x="1316612" y="1080654"/>
+            <a:ext cx="9199606" cy="4524315"/>
           </a:xfrm>
           <a:prstGeom prst="rect">
             <a:avLst/>
@@ -3401,9 +3459,9 @@
           </a:bodyPr>
           <a:lstStyle/>
           <a:p>
-            <a:pPr algn="ctr"/>
-            <a:r>
-              <a:rPr lang="en-US" sz="7200" b="1" dirty="0">
+            <a:pPr xmlns:a="http://schemas.openxmlformats.org/drawingml/2006/main" algn="ctr"/>
+            <a:r xmlns:a="http://schemas.openxmlformats.org/drawingml/2006/main">
+              <a:rPr lang="en" sz="7200" b="1" dirty="0" err="1" smtClean="0">
                 <a:solidFill>
                   <a:schemeClr val="bg1"/>
                 </a:solidFill>
@@ -3411,8 +3469,66 @@
                 <a:ea typeface="Verdana" panose="020B0604030504040204" pitchFamily="34" charset="0"/>
                 <a:cs typeface="Segoe UI" panose="020B0502040204020203" pitchFamily="34" charset="0"/>
               </a:rPr>
-              <a:t>Adding date dimension to Model</a:t>
-            </a:r>
+              <a:t>Add </a:t>
+            </a:r>
+            <a:r xmlns:a="http://schemas.openxmlformats.org/drawingml/2006/main">
+              <a:rPr lang="en" sz="7200" b="1" dirty="0" smtClean="0">
+                <a:solidFill>
+                  <a:schemeClr val="bg1"/>
+                </a:solidFill>
+                <a:latin typeface="Segoe UI" panose="020B0502040204020203" pitchFamily="34" charset="0"/>
+                <a:ea typeface="Verdana" panose="020B0604030504040204" pitchFamily="34" charset="0"/>
+                <a:cs typeface="Segoe UI" panose="020B0502040204020203" pitchFamily="34" charset="0"/>
+              </a:rPr>
+              <a:t>the </a:t>
+            </a:r>
+            <a:r xmlns:a="http://schemas.openxmlformats.org/drawingml/2006/main">
+              <a:rPr lang="en" sz="7200" b="1" dirty="0" smtClean="0">
+                <a:solidFill>
+                  <a:schemeClr val="bg1"/>
+                </a:solidFill>
+                <a:latin typeface="Segoe UI" panose="020B0502040204020203" pitchFamily="34" charset="0"/>
+                <a:ea typeface="Verdana" panose="020B0604030504040204" pitchFamily="34" charset="0"/>
+                <a:cs typeface="Segoe UI" panose="020B0502040204020203" pitchFamily="34" charset="0"/>
+              </a:rPr>
+              <a:t>Date </a:t>
+            </a:r>
+            <a:r xmlns:a="http://schemas.openxmlformats.org/drawingml/2006/main">
+              <a:rPr lang="en" sz="7200" b="1" dirty="0" err="1" smtClean="0">
+                <a:solidFill>
+                  <a:schemeClr val="bg1"/>
+                </a:solidFill>
+                <a:latin typeface="Segoe UI" panose="020B0502040204020203" pitchFamily="34" charset="0"/>
+                <a:ea typeface="Verdana" panose="020B0604030504040204" pitchFamily="34" charset="0"/>
+                <a:cs typeface="Segoe UI" panose="020B0502040204020203" pitchFamily="34" charset="0"/>
+              </a:rPr>
+              <a:t>dimension</a:t>
+            </a:r>
+          </a:p>
+          <a:p>
+            <a:pPr xmlns:a="http://schemas.openxmlformats.org/drawingml/2006/main" algn="ctr"/>
+            <a:r xmlns:a="http://schemas.openxmlformats.org/drawingml/2006/main">
+              <a:rPr lang="en" sz="7200" b="1" dirty="0">
+                <a:solidFill>
+                  <a:schemeClr val="bg1"/>
+                </a:solidFill>
+                <a:latin typeface="Segoe UI" panose="020B0502040204020203" pitchFamily="34" charset="0"/>
+                <a:ea typeface="Verdana" panose="020B0604030504040204" pitchFamily="34" charset="0"/>
+                <a:cs typeface="Segoe UI" panose="020B0502040204020203" pitchFamily="34" charset="0"/>
+              </a:rPr>
+              <a:t>to the model</a:t>
+            </a:r>
+            <a:endParaRPr xmlns:a="http://schemas.openxmlformats.org/drawingml/2006/main" lang="en-US" sz="7200" b="1" dirty="0">
+              <a:solidFill>
+                <a:schemeClr val="bg1"/>
+              </a:solidFill>
+              <a:latin typeface="Segoe UI" panose="020B0502040204020203" pitchFamily="34" charset="0"/>
+              <a:ea typeface="Verdana" panose="020B0604030504040204" pitchFamily="34" charset="0"/>
+              <a:cs typeface="Segoe UI" panose="020B0502040204020203" pitchFamily="34" charset="0"/>
+            </a:endParaRPr>
+          </a:p>
+          <a:p>
+            <a:pPr algn="ctr"/>
             <a:endParaRPr lang="en-US" sz="7200" b="1" dirty="0">
               <a:solidFill>
                 <a:schemeClr val="bg1"/>
@@ -3463,7 +3579,7 @@
         <p:spPr>
           <a:xfrm>
             <a:off x="288758" y="275007"/>
-            <a:ext cx="4367734" cy="400110"/>
+            <a:ext cx="4573240" cy="400110"/>
           </a:xfrm>
           <a:prstGeom prst="rect">
             <a:avLst/>
@@ -3476,102 +3592,16 @@
           </a:bodyPr>
           <a:lstStyle/>
           <a:p>
-            <a:r>
-              <a:rPr lang="en-US" sz="2000" dirty="0" smtClean="0">
+            <a:r xmlns:a="http://schemas.openxmlformats.org/drawingml/2006/main">
+              <a:rPr lang="en" sz="2000" b="1" dirty="0" smtClean="0">
                 <a:latin typeface="Segoe UI" panose="020B0502040204020203" pitchFamily="34" charset="0"/>
                 <a:cs typeface="Segoe UI" panose="020B0502040204020203" pitchFamily="34" charset="0"/>
               </a:rPr>
-              <a:t>Adding date dimension to the model</a:t>
-            </a:r>
-            <a:endParaRPr lang="en-US" sz="2000" dirty="0">
+              <a:t>Add the date dimension to the model</a:t>
+            </a:r>
+            <a:endParaRPr xmlns:a="http://schemas.openxmlformats.org/drawingml/2006/main" lang="en-US" sz="2000" b="1" dirty="0">
               <a:latin typeface="Segoe UI" panose="020B0502040204020203" pitchFamily="34" charset="0"/>
               <a:cs typeface="Segoe UI" panose="020B0502040204020203" pitchFamily="34" charset="0"/>
-            </a:endParaRPr>
-          </a:p>
-        </p:txBody>
-      </p:sp>
-      <p:sp>
-        <p:nvSpPr>
-          <p:cNvPr id="6" name="Rectangle 5"/>
-          <p:cNvSpPr/>
-          <p:nvPr/>
-        </p:nvSpPr>
-        <p:spPr>
-          <a:xfrm>
-            <a:off x="363768" y="1385227"/>
-            <a:ext cx="9227847" cy="373692"/>
-          </a:xfrm>
-          <a:prstGeom prst="rect">
-            <a:avLst/>
-          </a:prstGeom>
-        </p:spPr>
-        <p:txBody>
-          <a:bodyPr wrap="none">
-            <a:spAutoFit/>
-          </a:bodyPr>
-          <a:lstStyle/>
-          <a:p>
-            <a:pPr lvl="0">
-              <a:lnSpc>
-                <a:spcPct val="107000"/>
-              </a:lnSpc>
-              <a:spcAft>
-                <a:spcPts val="800"/>
-              </a:spcAft>
-            </a:pPr>
-            <a:r>
-              <a:rPr lang="en-US" dirty="0" smtClean="0">
-                <a:latin typeface="Segoe UI" panose="020B0502040204020203" pitchFamily="34" charset="0"/>
-                <a:ea typeface="Calibri" panose="020F0502020204030204" pitchFamily="34" charset="0"/>
-                <a:cs typeface="Times New Roman" panose="02020603050405020304" pitchFamily="18" charset="0"/>
-              </a:rPr>
-              <a:t>Open</a:t>
-            </a:r>
-            <a:r>
-              <a:rPr lang="en-US" b="1" dirty="0" smtClean="0">
-                <a:latin typeface="Segoe UI" panose="020B0502040204020203" pitchFamily="34" charset="0"/>
-                <a:ea typeface="Calibri" panose="020F0502020204030204" pitchFamily="34" charset="0"/>
-                <a:cs typeface="Times New Roman" panose="02020603050405020304" pitchFamily="18" charset="0"/>
-              </a:rPr>
-              <a:t> Sales.xlsx </a:t>
-            </a:r>
-            <a:r>
-              <a:rPr lang="en-US" dirty="0">
-                <a:latin typeface="Segoe UI" panose="020B0502040204020203" pitchFamily="34" charset="0"/>
-                <a:ea typeface="Calibri" panose="020F0502020204030204" pitchFamily="34" charset="0"/>
-                <a:cs typeface="Times New Roman" panose="02020603050405020304" pitchFamily="18" charset="0"/>
-              </a:rPr>
-              <a:t>file into the </a:t>
-            </a:r>
-            <a:r>
-              <a:rPr lang="en-US" dirty="0" smtClean="0">
-                <a:latin typeface="Segoe UI" panose="020B0502040204020203" pitchFamily="34" charset="0"/>
-                <a:ea typeface="Calibri" panose="020F0502020204030204" pitchFamily="34" charset="0"/>
-                <a:cs typeface="Times New Roman" panose="02020603050405020304" pitchFamily="18" charset="0"/>
-              </a:rPr>
-              <a:t>editor and select some dimensions and  the </a:t>
-            </a:r>
-            <a:r>
-              <a:rPr lang="en-US" b="1" dirty="0" smtClean="0">
-                <a:latin typeface="Segoe UI" panose="020B0502040204020203" pitchFamily="34" charset="0"/>
-                <a:ea typeface="Calibri" panose="020F0502020204030204" pitchFamily="34" charset="0"/>
-                <a:cs typeface="Times New Roman" panose="02020603050405020304" pitchFamily="18" charset="0"/>
-              </a:rPr>
-              <a:t>Fact Sales </a:t>
-            </a:r>
-            <a:r>
-              <a:rPr lang="en-US" dirty="0" smtClean="0">
-                <a:latin typeface="Segoe UI" panose="020B0502040204020203" pitchFamily="34" charset="0"/>
-                <a:ea typeface="Calibri" panose="020F0502020204030204" pitchFamily="34" charset="0"/>
-                <a:cs typeface="Times New Roman" panose="02020603050405020304" pitchFamily="18" charset="0"/>
-              </a:rPr>
-              <a:t>table </a:t>
-            </a:r>
-            <a:endParaRPr lang="en-US" sz="1400" dirty="0">
-              <a:effectLst/>
-              <a:latin typeface="Calibri" panose="020F0502020204030204" pitchFamily="34" charset="0"/>
-              <a:ea typeface="Calibri" panose="020F0502020204030204" pitchFamily="34" charset="0"/>
-              <a:cs typeface="Times New Roman" panose="02020603050405020304" pitchFamily="18" charset="0"/>
             </a:endParaRPr>
           </a:p>
         </p:txBody>
@@ -3602,14 +3632,14 @@
       </p:pic>
       <p:sp>
         <p:nvSpPr>
-          <p:cNvPr id="9" name="Rectangle 8"/>
+          <p:cNvPr id="3" name="Rectangle 2"/>
           <p:cNvSpPr/>
           <p:nvPr/>
         </p:nvSpPr>
         <p:spPr>
           <a:xfrm>
-            <a:off x="363768" y="888563"/>
-            <a:ext cx="9842977" cy="388696"/>
+            <a:off x="363767" y="738896"/>
+            <a:ext cx="10698410" cy="400110"/>
           </a:xfrm>
           <a:prstGeom prst="rect">
             <a:avLst/>
@@ -3621,79 +3651,76 @@
           </a:bodyPr>
           <a:lstStyle/>
           <a:p>
-            <a:pPr>
-              <a:lnSpc>
-                <a:spcPct val="107000"/>
-              </a:lnSpc>
-              <a:spcBef>
-                <a:spcPts val="1200"/>
-              </a:spcBef>
-              <a:spcAft>
-                <a:spcPts val="0"/>
-              </a:spcAft>
-            </a:pPr>
-            <a:r>
-              <a:rPr lang="en-US" b="1" kern="0" dirty="0">
-                <a:latin typeface="Segoe UI" panose="020B0502040204020203" pitchFamily="34" charset="0"/>
-                <a:ea typeface="Times New Roman" panose="02020603050405020304" pitchFamily="18" charset="0"/>
-                <a:cs typeface="Times New Roman" panose="02020603050405020304" pitchFamily="18" charset="0"/>
-              </a:rPr>
+            <a:r xmlns:a="http://schemas.openxmlformats.org/drawingml/2006/main">
+              <a:rPr lang="en" sz="2000" b="1" dirty="0"/>
               <a:t>Note: </a:t>
             </a:r>
-            <a:r>
-              <a:rPr lang="en-US" kern="0" dirty="0">
-                <a:latin typeface="Segoe UI" panose="020B0502040204020203" pitchFamily="34" charset="0"/>
-                <a:ea typeface="Times New Roman" panose="02020603050405020304" pitchFamily="18" charset="0"/>
-                <a:cs typeface="Times New Roman" panose="02020603050405020304" pitchFamily="18" charset="0"/>
-              </a:rPr>
-              <a:t>This Lab uses the </a:t>
-            </a:r>
-            <a:r>
-              <a:rPr lang="en-US" b="1" kern="0" dirty="0">
-                <a:latin typeface="Segoe UI" panose="020B0502040204020203" pitchFamily="34" charset="0"/>
-                <a:ea typeface="Times New Roman" panose="02020603050405020304" pitchFamily="18" charset="0"/>
-                <a:cs typeface="Times New Roman" panose="02020603050405020304" pitchFamily="18" charset="0"/>
-              </a:rPr>
-              <a:t>Sales.xlsx file </a:t>
-            </a:r>
-            <a:r>
-              <a:rPr lang="en-US" kern="0" dirty="0">
-                <a:latin typeface="Segoe UI" panose="020B0502040204020203" pitchFamily="34" charset="0"/>
-                <a:ea typeface="Times New Roman" panose="02020603050405020304" pitchFamily="18" charset="0"/>
-                <a:cs typeface="Times New Roman" panose="02020603050405020304" pitchFamily="18" charset="0"/>
-              </a:rPr>
-              <a:t>from the </a:t>
-            </a:r>
-            <a:r>
-              <a:rPr lang="en-US" b="1" kern="0" dirty="0">
-                <a:latin typeface="Segoe UI" panose="020B0502040204020203" pitchFamily="34" charset="0"/>
-                <a:ea typeface="Times New Roman" panose="02020603050405020304" pitchFamily="18" charset="0"/>
-                <a:cs typeface="Times New Roman" panose="02020603050405020304" pitchFamily="18" charset="0"/>
-              </a:rPr>
-              <a:t>Excel Sources </a:t>
-            </a:r>
-            <a:r>
-              <a:rPr lang="en-US" kern="0" dirty="0">
-                <a:latin typeface="Segoe UI" panose="020B0502040204020203" pitchFamily="34" charset="0"/>
-                <a:ea typeface="Times New Roman" panose="02020603050405020304" pitchFamily="18" charset="0"/>
-                <a:cs typeface="Times New Roman" panose="02020603050405020304" pitchFamily="18" charset="0"/>
-              </a:rPr>
-              <a:t>\ </a:t>
-            </a:r>
-            <a:r>
-              <a:rPr lang="en-US" b="1" kern="0" dirty="0">
-                <a:latin typeface="Segoe UI" panose="020B0502040204020203" pitchFamily="34" charset="0"/>
-                <a:ea typeface="Times New Roman" panose="02020603050405020304" pitchFamily="18" charset="0"/>
-                <a:cs typeface="Times New Roman" panose="02020603050405020304" pitchFamily="18" charset="0"/>
-              </a:rPr>
-              <a:t>Resources folder</a:t>
-            </a:r>
-            <a:endParaRPr lang="en-US" sz="2800" b="1" kern="0" dirty="0">
-              <a:effectLst/>
-              <a:latin typeface="Segoe UI" panose="020B0502040204020203" pitchFamily="34" charset="0"/>
-              <a:ea typeface="Times New Roman" panose="02020603050405020304" pitchFamily="18" charset="0"/>
-              <a:cs typeface="Times New Roman" panose="02020603050405020304" pitchFamily="18" charset="0"/>
-            </a:endParaRPr>
+            <a:r xmlns:a="http://schemas.openxmlformats.org/drawingml/2006/main">
+              <a:rPr lang="en" sz="2000" dirty="0"/>
+              <a:t>This </a:t>
+            </a:r>
+            <a:r xmlns:a="http://schemas.openxmlformats.org/drawingml/2006/main">
+              <a:rPr lang="en" sz="2000" dirty="0" smtClean="0"/>
+              <a:t>workshop uses the </a:t>
+            </a:r>
+            <a:r xmlns:a="http://schemas.openxmlformats.org/drawingml/2006/main">
+              <a:rPr lang="en" sz="2000" b="1" dirty="0"/>
+              <a:t>Sales.xlsx </a:t>
+            </a:r>
+            <a:r xmlns:a="http://schemas.openxmlformats.org/drawingml/2006/main">
+              <a:rPr lang="en" sz="2000" dirty="0"/>
+              <a:t>file </a:t>
+            </a:r>
+            <a:r xmlns:a="http://schemas.openxmlformats.org/drawingml/2006/main">
+              <a:rPr lang="en" sz="2000" dirty="0"/>
+              <a:t>located in the </a:t>
+            </a:r>
+            <a:r xmlns:a="http://schemas.openxmlformats.org/drawingml/2006/main">
+              <a:rPr lang="en" sz="2000" b="1" dirty="0" err="1" smtClean="0"/>
+              <a:t>Resources </a:t>
+            </a:r>
+            <a:r xmlns:a="http://schemas.openxmlformats.org/drawingml/2006/main">
+              <a:rPr lang="en" sz="2000" b="1" dirty="0" smtClean="0"/>
+              <a:t>\Excel Sources folder</a:t>
+            </a:r>
+            <a:endParaRPr xmlns:a="http://schemas.openxmlformats.org/drawingml/2006/main" lang="en-US" sz="2000" b="1" dirty="0"/>
+          </a:p>
+        </p:txBody>
+      </p:sp>
+      <p:sp>
+        <p:nvSpPr>
+          <p:cNvPr id="4" name="Rectangle 3"/>
+          <p:cNvSpPr/>
+          <p:nvPr/>
+        </p:nvSpPr>
+        <p:spPr>
+          <a:xfrm>
+            <a:off x="363766" y="1232520"/>
+            <a:ext cx="8828359" cy="400110"/>
+          </a:xfrm>
+          <a:prstGeom prst="rect">
+            <a:avLst/>
+          </a:prstGeom>
+        </p:spPr>
+        <p:txBody>
+          <a:bodyPr wrap="square">
+            <a:spAutoFit/>
+          </a:bodyPr>
+          <a:lstStyle/>
+          <a:p>
+            <a:r xmlns:a="http://schemas.openxmlformats.org/drawingml/2006/main">
+              <a:rPr lang="en" sz="2000" dirty="0"/>
+              <a:t>Select some dimensions as well as the </a:t>
+            </a:r>
+            <a:r xmlns:a="http://schemas.openxmlformats.org/drawingml/2006/main">
+              <a:rPr lang="en" sz="2000" b="1" dirty="0"/>
+              <a:t>"Fact Sales" table </a:t>
+            </a:r>
+            <a:r xmlns:a="http://schemas.openxmlformats.org/drawingml/2006/main">
+              <a:rPr lang="en" sz="2000" dirty="0"/>
+              <a:t>.</a:t>
+            </a:r>
+            <a:endParaRPr xmlns:a="http://schemas.openxmlformats.org/drawingml/2006/main" lang="en-US" sz="2000" dirty="0"/>
           </a:p>
         </p:txBody>
       </p:sp>
@@ -3736,7 +3763,7 @@
         <p:spPr>
           <a:xfrm>
             <a:off x="288758" y="275007"/>
-            <a:ext cx="4367734" cy="400110"/>
+            <a:ext cx="4573240" cy="400110"/>
           </a:xfrm>
           <a:prstGeom prst="rect">
             <a:avLst/>
@@ -3749,14 +3776,14 @@
           </a:bodyPr>
           <a:lstStyle/>
           <a:p>
-            <a:r>
-              <a:rPr lang="en-US" sz="2000" dirty="0" smtClean="0">
+            <a:r xmlns:a="http://schemas.openxmlformats.org/drawingml/2006/main">
+              <a:rPr lang="en" sz="2000" b="1" dirty="0" smtClean="0">
                 <a:latin typeface="Segoe UI" panose="020B0502040204020203" pitchFamily="34" charset="0"/>
                 <a:cs typeface="Segoe UI" panose="020B0502040204020203" pitchFamily="34" charset="0"/>
               </a:rPr>
-              <a:t>Adding date dimension to the model</a:t>
-            </a:r>
-            <a:endParaRPr lang="en-US" sz="2000" dirty="0">
+              <a:t>Add the date dimension to the model</a:t>
+            </a:r>
+            <a:endParaRPr xmlns:a="http://schemas.openxmlformats.org/drawingml/2006/main" lang="en-US" sz="2000" b="1" dirty="0">
               <a:latin typeface="Segoe UI" panose="020B0502040204020203" pitchFamily="34" charset="0"/>
               <a:cs typeface="Segoe UI" panose="020B0502040204020203" pitchFamily="34" charset="0"/>
             </a:endParaRPr>
@@ -3765,60 +3792,43 @@
       </p:sp>
       <p:sp>
         <p:nvSpPr>
-          <p:cNvPr id="4" name="Rectangle 3"/>
+          <p:cNvPr id="3" name="Rectangle 2"/>
           <p:cNvSpPr/>
           <p:nvPr/>
         </p:nvSpPr>
         <p:spPr>
           <a:xfrm>
-            <a:off x="288758" y="826383"/>
-            <a:ext cx="8323561" cy="366895"/>
+            <a:off x="343759" y="913645"/>
+            <a:ext cx="4032707" cy="369332"/>
           </a:xfrm>
           <a:prstGeom prst="rect">
             <a:avLst/>
           </a:prstGeom>
         </p:spPr>
         <p:txBody>
-          <a:bodyPr wrap="square">
+          <a:bodyPr wrap="none">
             <a:spAutoFit/>
           </a:bodyPr>
           <a:lstStyle/>
           <a:p>
-            <a:pPr lvl="0">
-              <a:lnSpc>
-                <a:spcPct val="107000"/>
-              </a:lnSpc>
-              <a:spcAft>
-                <a:spcPts val="800"/>
-              </a:spcAft>
-            </a:pPr>
-            <a:r>
-              <a:rPr lang="en-US" dirty="0" smtClean="0">
-                <a:latin typeface="Segoe UI" panose="020B0502040204020203" pitchFamily="34" charset="0"/>
-                <a:ea typeface="Calibri" panose="020F0502020204030204" pitchFamily="34" charset="0"/>
-                <a:cs typeface="Segoe UI" panose="020B0502040204020203" pitchFamily="34" charset="0"/>
-              </a:rPr>
-              <a:t>Generate the a date dimension table  </a:t>
-            </a:r>
-            <a:endParaRPr lang="en-US" dirty="0">
-              <a:effectLst/>
-              <a:latin typeface="Segoe UI" panose="020B0502040204020203" pitchFamily="34" charset="0"/>
-              <a:ea typeface="Calibri" panose="020F0502020204030204" pitchFamily="34" charset="0"/>
-              <a:cs typeface="Segoe UI" panose="020B0502040204020203" pitchFamily="34" charset="0"/>
-            </a:endParaRPr>
-          </a:p>
-        </p:txBody>
-      </p:sp>
-      <p:sp>
-        <p:nvSpPr>
-          <p:cNvPr id="5" name="Rectangle 4"/>
+            <a:r xmlns:a="http://schemas.openxmlformats.org/drawingml/2006/main">
+              <a:rPr lang="en" dirty="0"/>
+              <a:t>Generate a "Date" dimension table.</a:t>
+            </a:r>
+            <a:endParaRPr xmlns:a="http://schemas.openxmlformats.org/drawingml/2006/main" lang="en-US" dirty="0"/>
+          </a:p>
+        </p:txBody>
+      </p:sp>
+      <p:sp>
+        <p:nvSpPr>
+          <p:cNvPr id="4" name="Rectangle 3"/>
           <p:cNvSpPr/>
           <p:nvPr/>
         </p:nvSpPr>
         <p:spPr>
           <a:xfrm>
-            <a:off x="591264" y="2009597"/>
-            <a:ext cx="6634558" cy="3416320"/>
+            <a:off x="462929" y="1369211"/>
+            <a:ext cx="10124859" cy="3139321"/>
           </a:xfrm>
           <a:prstGeom prst="rect">
             <a:avLst/>
@@ -3830,28 +3840,129 @@
           </a:bodyPr>
           <a:lstStyle/>
           <a:p>
-            <a:r>
-              <a:rPr lang="en-US" dirty="0" smtClean="0">
+            <a:r xmlns:a="http://schemas.openxmlformats.org/drawingml/2006/main">
+              <a:rPr lang="en" dirty="0">
                 <a:solidFill>
                   <a:srgbClr val="000000"/>
                 </a:solidFill>
                 <a:latin typeface="Consolas" panose="020B0609020204030204" pitchFamily="49" charset="0"/>
               </a:rPr>
-              <a:t>Date </a:t>
-            </a:r>
-            <a:r>
-              <a:rPr lang="en-US" dirty="0">
+              <a:t>Date =</a:t>
+            </a:r>
+          </a:p>
+          <a:p>
+            <a:r xmlns:a="http://schemas.openxmlformats.org/drawingml/2006/main">
+              <a:rPr lang="en" dirty="0">
+                <a:solidFill>
+                  <a:srgbClr val="0000FF"/>
+                </a:solidFill>
+                <a:latin typeface="Consolas" panose="020B0609020204030204" pitchFamily="49" charset="0"/>
+              </a:rPr>
+              <a:t>VAR</a:t>
+            </a:r>
+            <a:r xmlns:a="http://schemas.openxmlformats.org/drawingml/2006/main">
+              <a:rPr lang="en" dirty="0">
                 <a:solidFill>
                   <a:srgbClr val="000000"/>
                 </a:solidFill>
                 <a:latin typeface="Consolas" panose="020B0609020204030204" pitchFamily="49" charset="0"/>
               </a:rPr>
+              <a:t> </a:t>
+            </a:r>
+            <a:r xmlns:a="http://schemas.openxmlformats.org/drawingml/2006/main">
+              <a:rPr lang="en" dirty="0" err="1">
+                <a:solidFill>
+                  <a:srgbClr val="008080"/>
+                </a:solidFill>
+                <a:latin typeface="Consolas" panose="020B0609020204030204" pitchFamily="49" charset="0"/>
+              </a:rPr>
+              <a:t>MinDate </a:t>
+            </a:r>
+            <a:r xmlns:a="http://schemas.openxmlformats.org/drawingml/2006/main">
+              <a:rPr lang="en" dirty="0">
+                <a:solidFill>
+                  <a:srgbClr val="000000"/>
+                </a:solidFill>
+                <a:latin typeface="Consolas" panose="020B0609020204030204" pitchFamily="49" charset="0"/>
+              </a:rPr>
               <a:t>= </a:t>
             </a:r>
-          </a:p>
-          <a:p>
-            <a:r>
-              <a:rPr lang="en-US" dirty="0">
+            <a:r xmlns:a="http://schemas.openxmlformats.org/drawingml/2006/main">
+              <a:rPr lang="en" dirty="0">
+                <a:solidFill>
+                  <a:srgbClr val="3165BB"/>
+                </a:solidFill>
+                <a:latin typeface="Consolas" panose="020B0609020204030204" pitchFamily="49" charset="0"/>
+              </a:rPr>
+              <a:t>DATE </a:t>
+            </a:r>
+            <a:r xmlns:a="http://schemas.openxmlformats.org/drawingml/2006/main">
+              <a:rPr lang="en" dirty="0">
+                <a:solidFill>
+                  <a:srgbClr val="000000"/>
+                </a:solidFill>
+                <a:latin typeface="Consolas" panose="020B0609020204030204" pitchFamily="49" charset="0"/>
+              </a:rPr>
+              <a:t>( </a:t>
+            </a:r>
+            <a:r xmlns:a="http://schemas.openxmlformats.org/drawingml/2006/main">
+              <a:rPr lang="en" dirty="0">
+                <a:solidFill>
+                  <a:srgbClr val="098658"/>
+                </a:solidFill>
+                <a:latin typeface="Consolas" panose="020B0609020204030204" pitchFamily="49" charset="0"/>
+              </a:rPr>
+              <a:t>2018,1,1 </a:t>
+            </a:r>
+            <a:r xmlns:a="http://schemas.openxmlformats.org/drawingml/2006/main">
+              <a:rPr lang="en" dirty="0">
+                <a:solidFill>
+                  <a:srgbClr val="098658"/>
+                </a:solidFill>
+                <a:latin typeface="Consolas" panose="020B0609020204030204" pitchFamily="49" charset="0"/>
+              </a:rPr>
+              <a:t>)</a:t>
+            </a:r>
+            <a:r xmlns:a="http://schemas.openxmlformats.org/drawingml/2006/main">
+              <a:rPr lang="en" dirty="0">
+                <a:solidFill>
+                  <a:srgbClr val="000000"/>
+                </a:solidFill>
+                <a:latin typeface="Consolas" panose="020B0609020204030204" pitchFamily="49" charset="0"/>
+              </a:rPr>
+              <a:t>​</a:t>
+            </a:r>
+            <a:r xmlns:a="http://schemas.openxmlformats.org/drawingml/2006/main">
+              <a:rPr lang="en" dirty="0">
+                <a:solidFill>
+                  <a:srgbClr val="098658"/>
+                </a:solidFill>
+                <a:latin typeface="Consolas" panose="020B0609020204030204" pitchFamily="49" charset="0"/>
+              </a:rPr>
+              <a:t>​</a:t>
+            </a:r>
+            <a:r xmlns:a="http://schemas.openxmlformats.org/drawingml/2006/main">
+              <a:rPr lang="en" dirty="0">
+                <a:solidFill>
+                  <a:srgbClr val="000000"/>
+                </a:solidFill>
+                <a:latin typeface="Consolas" panose="020B0609020204030204" pitchFamily="49" charset="0"/>
+              </a:rPr>
+              <a:t>​</a:t>
+            </a:r>
+            <a:r xmlns:a="http://schemas.openxmlformats.org/drawingml/2006/main">
+              <a:rPr lang="en" dirty="0">
+                <a:solidFill>
+                  <a:srgbClr val="000000"/>
+                </a:solidFill>
+                <a:latin typeface="Consolas" panose="020B0609020204030204" pitchFamily="49" charset="0"/>
+              </a:rPr>
+              <a:t>​</a:t>
+            </a:r>
+          </a:p>
+          <a:p>
+            <a:r xmlns:a="http://schemas.openxmlformats.org/drawingml/2006/main">
+              <a:rPr lang="en" dirty="0">
                 <a:solidFill>
                   <a:srgbClr val="0000FF"/>
                 </a:solidFill>
@@ -3859,8 +3970,8 @@
               </a:rPr>
               <a:t>VAR</a:t>
             </a:r>
-            <a:r>
-              <a:rPr lang="en-US" dirty="0">
+            <a:r xmlns:a="http://schemas.openxmlformats.org/drawingml/2006/main">
+              <a:rPr lang="en" dirty="0">
                 <a:solidFill>
                   <a:srgbClr val="000000"/>
                 </a:solidFill>
@@ -3868,53 +3979,53 @@
               </a:rPr>
               <a:t> </a:t>
             </a:r>
-            <a:r>
-              <a:rPr lang="en-US" dirty="0" err="1">
+            <a:r xmlns:a="http://schemas.openxmlformats.org/drawingml/2006/main">
+              <a:rPr lang="en" dirty="0" err="1">
                 <a:solidFill>
                   <a:srgbClr val="008080"/>
                 </a:solidFill>
                 <a:latin typeface="Consolas" panose="020B0609020204030204" pitchFamily="49" charset="0"/>
               </a:rPr>
-              <a:t>MinDate</a:t>
-            </a:r>
-            <a:r>
-              <a:rPr lang="en-US" dirty="0">
+              <a:t>MaxDate </a:t>
+            </a:r>
+            <a:r xmlns:a="http://schemas.openxmlformats.org/drawingml/2006/main">
+              <a:rPr lang="en" dirty="0">
                 <a:solidFill>
                   <a:srgbClr val="000000"/>
                 </a:solidFill>
                 <a:latin typeface="Consolas" panose="020B0609020204030204" pitchFamily="49" charset="0"/>
               </a:rPr>
-              <a:t> = </a:t>
-            </a:r>
-            <a:r>
-              <a:rPr lang="en-US" dirty="0">
+              <a:t>= </a:t>
+            </a:r>
+            <a:r xmlns:a="http://schemas.openxmlformats.org/drawingml/2006/main">
+              <a:rPr lang="en" dirty="0">
                 <a:solidFill>
                   <a:srgbClr val="3165BB"/>
                 </a:solidFill>
                 <a:latin typeface="Consolas" panose="020B0609020204030204" pitchFamily="49" charset="0"/>
               </a:rPr>
-              <a:t>DATE</a:t>
-            </a:r>
-            <a:r>
-              <a:rPr lang="en-US" dirty="0">
+              <a:t>DATE </a:t>
+            </a:r>
+            <a:r xmlns:a="http://schemas.openxmlformats.org/drawingml/2006/main">
+              <a:rPr lang="en" dirty="0">
                 <a:solidFill>
                   <a:srgbClr val="000000"/>
                 </a:solidFill>
                 <a:latin typeface="Consolas" panose="020B0609020204030204" pitchFamily="49" charset="0"/>
               </a:rPr>
-              <a:t>(</a:t>
-            </a:r>
-            <a:r>
-              <a:rPr lang="en-US" dirty="0">
+              <a:t>( </a:t>
+            </a:r>
+            <a:r xmlns:a="http://schemas.openxmlformats.org/drawingml/2006/main">
+              <a:rPr lang="en" dirty="0">
                 <a:solidFill>
                   <a:srgbClr val="098658"/>
                 </a:solidFill>
                 <a:latin typeface="Consolas" panose="020B0609020204030204" pitchFamily="49" charset="0"/>
               </a:rPr>
-              <a:t>2018</a:t>
-            </a:r>
-            <a:r>
-              <a:rPr lang="en-US" dirty="0">
+              <a:t>2021 </a:t>
+            </a:r>
+            <a:r xmlns:a="http://schemas.openxmlformats.org/drawingml/2006/main">
+              <a:rPr lang="en" dirty="0">
                 <a:solidFill>
                   <a:srgbClr val="000000"/>
                 </a:solidFill>
@@ -3922,17 +4033,17 @@
               </a:rPr>
               <a:t>, </a:t>
             </a:r>
-            <a:r>
-              <a:rPr lang="en-US" dirty="0">
+            <a:r xmlns:a="http://schemas.openxmlformats.org/drawingml/2006/main">
+              <a:rPr lang="en" dirty="0">
                 <a:solidFill>
                   <a:srgbClr val="098658"/>
                 </a:solidFill>
                 <a:latin typeface="Consolas" panose="020B0609020204030204" pitchFamily="49" charset="0"/>
               </a:rPr>
-              <a:t>1</a:t>
-            </a:r>
-            <a:r>
-              <a:rPr lang="en-US" dirty="0">
+              <a:t>12 </a:t>
+            </a:r>
+            <a:r xmlns:a="http://schemas.openxmlformats.org/drawingml/2006/main">
+              <a:rPr lang="en" dirty="0">
                 <a:solidFill>
                   <a:srgbClr val="000000"/>
                 </a:solidFill>
@@ -3940,17 +4051,17 @@
               </a:rPr>
               <a:t>, </a:t>
             </a:r>
-            <a:r>
-              <a:rPr lang="en-US" dirty="0">
+            <a:r xmlns:a="http://schemas.openxmlformats.org/drawingml/2006/main">
+              <a:rPr lang="en" dirty="0">
                 <a:solidFill>
                   <a:srgbClr val="098658"/>
                 </a:solidFill>
                 <a:latin typeface="Consolas" panose="020B0609020204030204" pitchFamily="49" charset="0"/>
               </a:rPr>
-              <a:t>1</a:t>
-            </a:r>
-            <a:r>
-              <a:rPr lang="en-US" dirty="0">
+              <a:t>31 </a:t>
+            </a:r>
+            <a:r xmlns:a="http://schemas.openxmlformats.org/drawingml/2006/main">
+              <a:rPr lang="en" dirty="0">
                 <a:solidFill>
                   <a:srgbClr val="000000"/>
                 </a:solidFill>
@@ -3960,126 +4071,16 @@
             </a:r>
           </a:p>
           <a:p>
-            <a:r>
-              <a:rPr lang="en-US" dirty="0">
+            <a:r xmlns:a="http://schemas.openxmlformats.org/drawingml/2006/main">
+              <a:rPr lang="en" dirty="0">
                 <a:solidFill>
                   <a:srgbClr val="0000FF"/>
                 </a:solidFill>
                 <a:latin typeface="Consolas" panose="020B0609020204030204" pitchFamily="49" charset="0"/>
               </a:rPr>
-              <a:t>VAR</a:t>
-            </a:r>
-            <a:r>
-              <a:rPr lang="en-US" dirty="0">
-                <a:solidFill>
-                  <a:srgbClr val="000000"/>
-                </a:solidFill>
-                <a:latin typeface="Consolas" panose="020B0609020204030204" pitchFamily="49" charset="0"/>
-              </a:rPr>
-              <a:t> </a:t>
-            </a:r>
-            <a:r>
-              <a:rPr lang="en-US" dirty="0" err="1">
-                <a:solidFill>
-                  <a:srgbClr val="008080"/>
-                </a:solidFill>
-                <a:latin typeface="Consolas" panose="020B0609020204030204" pitchFamily="49" charset="0"/>
-              </a:rPr>
-              <a:t>MaxDate</a:t>
-            </a:r>
-            <a:r>
-              <a:rPr lang="en-US" dirty="0">
-                <a:solidFill>
-                  <a:srgbClr val="000000"/>
-                </a:solidFill>
-                <a:latin typeface="Consolas" panose="020B0609020204030204" pitchFamily="49" charset="0"/>
-              </a:rPr>
-              <a:t> = </a:t>
-            </a:r>
-            <a:r>
-              <a:rPr lang="en-US" dirty="0">
-                <a:solidFill>
-                  <a:srgbClr val="3165BB"/>
-                </a:solidFill>
-                <a:latin typeface="Consolas" panose="020B0609020204030204" pitchFamily="49" charset="0"/>
-              </a:rPr>
-              <a:t>DATE</a:t>
-            </a:r>
-            <a:r>
-              <a:rPr lang="en-US" dirty="0">
-                <a:solidFill>
-                  <a:srgbClr val="000000"/>
-                </a:solidFill>
-                <a:latin typeface="Consolas" panose="020B0609020204030204" pitchFamily="49" charset="0"/>
-              </a:rPr>
-              <a:t>(</a:t>
-            </a:r>
-            <a:r>
-              <a:rPr lang="en-US" dirty="0">
-                <a:solidFill>
-                  <a:srgbClr val="098658"/>
-                </a:solidFill>
-                <a:latin typeface="Consolas" panose="020B0609020204030204" pitchFamily="49" charset="0"/>
-              </a:rPr>
-              <a:t>2021</a:t>
-            </a:r>
-            <a:r>
-              <a:rPr lang="en-US" dirty="0">
-                <a:solidFill>
-                  <a:srgbClr val="000000"/>
-                </a:solidFill>
-                <a:latin typeface="Consolas" panose="020B0609020204030204" pitchFamily="49" charset="0"/>
-              </a:rPr>
-              <a:t>, </a:t>
-            </a:r>
-            <a:r>
-              <a:rPr lang="en-US" dirty="0">
-                <a:solidFill>
-                  <a:srgbClr val="098658"/>
-                </a:solidFill>
-                <a:latin typeface="Consolas" panose="020B0609020204030204" pitchFamily="49" charset="0"/>
-              </a:rPr>
-              <a:t>12</a:t>
-            </a:r>
-            <a:r>
-              <a:rPr lang="en-US" dirty="0">
-                <a:solidFill>
-                  <a:srgbClr val="000000"/>
-                </a:solidFill>
-                <a:latin typeface="Consolas" panose="020B0609020204030204" pitchFamily="49" charset="0"/>
-              </a:rPr>
-              <a:t>, </a:t>
-            </a:r>
-            <a:r>
-              <a:rPr lang="en-US" dirty="0">
-                <a:solidFill>
-                  <a:srgbClr val="098658"/>
-                </a:solidFill>
-                <a:latin typeface="Consolas" panose="020B0609020204030204" pitchFamily="49" charset="0"/>
-              </a:rPr>
-              <a:t>31</a:t>
-            </a:r>
-            <a:r>
-              <a:rPr lang="en-US" dirty="0">
-                <a:solidFill>
-                  <a:srgbClr val="000000"/>
-                </a:solidFill>
-                <a:latin typeface="Consolas" panose="020B0609020204030204" pitchFamily="49" charset="0"/>
-              </a:rPr>
-              <a:t>)</a:t>
-            </a:r>
-          </a:p>
-          <a:p>
-            <a:r>
-              <a:rPr lang="en-US" dirty="0">
-                <a:solidFill>
-                  <a:srgbClr val="0000FF"/>
-                </a:solidFill>
-                <a:latin typeface="Consolas" panose="020B0609020204030204" pitchFamily="49" charset="0"/>
-              </a:rPr>
               <a:t>RETURN</a:t>
             </a:r>
-            <a:endParaRPr lang="en-US" dirty="0">
+            <a:endParaRPr xmlns:a="http://schemas.openxmlformats.org/drawingml/2006/main" lang="en-US" dirty="0">
               <a:solidFill>
                 <a:srgbClr val="000000"/>
               </a:solidFill>
@@ -4087,28 +4088,28 @@
             </a:endParaRPr>
           </a:p>
           <a:p>
-            <a:r>
-              <a:rPr lang="en-US" dirty="0">
+            <a:r xmlns:a="http://schemas.openxmlformats.org/drawingml/2006/main">
+              <a:rPr lang="en" dirty="0">
                 <a:solidFill>
                   <a:srgbClr val="3165BB"/>
                 </a:solidFill>
                 <a:latin typeface="Consolas" panose="020B0609020204030204" pitchFamily="49" charset="0"/>
               </a:rPr>
-              <a:t>ADDCOLUMNS</a:t>
-            </a:r>
-            <a:r>
-              <a:rPr lang="en-US" dirty="0">
+              <a:t>ADDCOLUMNS </a:t>
+            </a:r>
+            <a:r xmlns:a="http://schemas.openxmlformats.org/drawingml/2006/main">
+              <a:rPr lang="en" dirty="0">
                 <a:solidFill>
                   <a:srgbClr val="000000"/>
                 </a:solidFill>
                 <a:latin typeface="Consolas" panose="020B0609020204030204" pitchFamily="49" charset="0"/>
               </a:rPr>
-              <a:t> (</a:t>
-            </a:r>
-          </a:p>
-          <a:p>
-            <a:r>
-              <a:rPr lang="en-US" dirty="0">
+              <a:t>(</a:t>
+            </a:r>
+          </a:p>
+          <a:p>
+            <a:r xmlns:a="http://schemas.openxmlformats.org/drawingml/2006/main">
+              <a:rPr lang="en" dirty="0">
                 <a:solidFill>
                   <a:srgbClr val="000000"/>
                 </a:solidFill>
@@ -4116,35 +4117,35 @@
               </a:rPr>
               <a:t>    </a:t>
             </a:r>
-            <a:r>
-              <a:rPr lang="en-US" dirty="0">
+            <a:r xmlns:a="http://schemas.openxmlformats.org/drawingml/2006/main">
+              <a:rPr lang="en" dirty="0">
                 <a:solidFill>
                   <a:srgbClr val="3165BB"/>
                 </a:solidFill>
                 <a:latin typeface="Consolas" panose="020B0609020204030204" pitchFamily="49" charset="0"/>
               </a:rPr>
-              <a:t>CALENDAR</a:t>
-            </a:r>
-            <a:r>
-              <a:rPr lang="en-US" dirty="0">
+              <a:t>CALENDAR </a:t>
+            </a:r>
+            <a:r xmlns:a="http://schemas.openxmlformats.org/drawingml/2006/main">
+              <a:rPr lang="en" dirty="0">
                 <a:solidFill>
                   <a:srgbClr val="000000"/>
                 </a:solidFill>
                 <a:latin typeface="Consolas" panose="020B0609020204030204" pitchFamily="49" charset="0"/>
               </a:rPr>
-              <a:t>(</a:t>
-            </a:r>
-            <a:r>
-              <a:rPr lang="en-US" dirty="0" err="1">
+              <a:t>( </a:t>
+            </a:r>
+            <a:r xmlns:a="http://schemas.openxmlformats.org/drawingml/2006/main">
+              <a:rPr lang="en" dirty="0" err="1">
                 <a:solidFill>
                   <a:srgbClr val="008080"/>
                 </a:solidFill>
                 <a:latin typeface="Consolas" panose="020B0609020204030204" pitchFamily="49" charset="0"/>
               </a:rPr>
-              <a:t>MinDate</a:t>
-            </a:r>
-            <a:r>
-              <a:rPr lang="en-US" dirty="0">
+              <a:t>MinDate </a:t>
+            </a:r>
+            <a:r xmlns:a="http://schemas.openxmlformats.org/drawingml/2006/main">
+              <a:rPr lang="en" dirty="0">
                 <a:solidFill>
                   <a:srgbClr val="000000"/>
                 </a:solidFill>
@@ -4152,17 +4153,17 @@
               </a:rPr>
               <a:t>, </a:t>
             </a:r>
-            <a:r>
-              <a:rPr lang="en-US" dirty="0" err="1">
+            <a:r xmlns:a="http://schemas.openxmlformats.org/drawingml/2006/main">
+              <a:rPr lang="en" dirty="0" err="1">
                 <a:solidFill>
                   <a:srgbClr val="008080"/>
                 </a:solidFill>
                 <a:latin typeface="Consolas" panose="020B0609020204030204" pitchFamily="49" charset="0"/>
               </a:rPr>
-              <a:t>MaxDate</a:t>
-            </a:r>
-            <a:r>
-              <a:rPr lang="en-US" dirty="0">
+              <a:t>MaxDate </a:t>
+            </a:r>
+            <a:r xmlns:a="http://schemas.openxmlformats.org/drawingml/2006/main">
+              <a:rPr lang="en" dirty="0">
                 <a:solidFill>
                   <a:srgbClr val="000000"/>
                 </a:solidFill>
@@ -4172,8 +4173,8 @@
             </a:r>
           </a:p>
           <a:p>
-            <a:r>
-              <a:rPr lang="en-US" dirty="0">
+            <a:r xmlns:a="http://schemas.openxmlformats.org/drawingml/2006/main">
+              <a:rPr lang="en" dirty="0">
                 <a:solidFill>
                   <a:srgbClr val="000000"/>
                 </a:solidFill>
@@ -4181,17 +4182,17 @@
               </a:rPr>
               <a:t>    </a:t>
             </a:r>
-            <a:r>
-              <a:rPr lang="en-US" dirty="0">
+            <a:r xmlns:a="http://schemas.openxmlformats.org/drawingml/2006/main">
+              <a:rPr lang="en" dirty="0">
                 <a:solidFill>
                   <a:srgbClr val="A31515"/>
                 </a:solidFill>
                 <a:latin typeface="Consolas" panose="020B0609020204030204" pitchFamily="49" charset="0"/>
               </a:rPr>
-              <a:t>"Calendar Year"</a:t>
-            </a:r>
-            <a:r>
-              <a:rPr lang="en-US" dirty="0">
+              <a:t>“Calendar Year” </a:t>
+            </a:r>
+            <a:r xmlns:a="http://schemas.openxmlformats.org/drawingml/2006/main">
+              <a:rPr lang="en" dirty="0">
                 <a:solidFill>
                   <a:srgbClr val="000000"/>
                 </a:solidFill>
@@ -4199,64 +4200,82 @@
               </a:rPr>
               <a:t>, </a:t>
             </a:r>
-            <a:r>
-              <a:rPr lang="en-US" dirty="0">
+            <a:r xmlns:a="http://schemas.openxmlformats.org/drawingml/2006/main">
+              <a:rPr lang="en" dirty="0">
                 <a:solidFill>
                   <a:srgbClr val="A31515"/>
                 </a:solidFill>
                 <a:latin typeface="Consolas" panose="020B0609020204030204" pitchFamily="49" charset="0"/>
               </a:rPr>
-              <a:t>"CY"</a:t>
-            </a:r>
-            <a:r>
-              <a:rPr lang="en-US" dirty="0">
+              <a:t>“CY” </a:t>
+            </a:r>
+            <a:r xmlns:a="http://schemas.openxmlformats.org/drawingml/2006/main">
+              <a:rPr lang="en" dirty="0">
                 <a:solidFill>
                   <a:srgbClr val="000000"/>
                 </a:solidFill>
                 <a:latin typeface="Consolas" panose="020B0609020204030204" pitchFamily="49" charset="0"/>
               </a:rPr>
-              <a:t> &amp; </a:t>
-            </a:r>
-            <a:r>
-              <a:rPr lang="en-US" dirty="0">
+              <a:t>&amp; </a:t>
+            </a:r>
+            <a:r xmlns:a="http://schemas.openxmlformats.org/drawingml/2006/main">
+              <a:rPr lang="en" dirty="0">
                 <a:solidFill>
                   <a:srgbClr val="3165BB"/>
                 </a:solidFill>
                 <a:latin typeface="Consolas" panose="020B0609020204030204" pitchFamily="49" charset="0"/>
               </a:rPr>
-              <a:t>YEAR</a:t>
-            </a:r>
-            <a:r>
-              <a:rPr lang="en-US" dirty="0">
+              <a:t>FORMAT </a:t>
+            </a:r>
+            <a:r xmlns:a="http://schemas.openxmlformats.org/drawingml/2006/main">
+              <a:rPr lang="en" dirty="0">
                 <a:solidFill>
                   <a:srgbClr val="000000"/>
                 </a:solidFill>
                 <a:latin typeface="Consolas" panose="020B0609020204030204" pitchFamily="49" charset="0"/>
               </a:rPr>
-              <a:t>(</a:t>
-            </a:r>
-            <a:r>
-              <a:rPr lang="en-US" dirty="0">
+              <a:t>( </a:t>
+            </a:r>
+            <a:r xmlns:a="http://schemas.openxmlformats.org/drawingml/2006/main">
+              <a:rPr lang="en" dirty="0">
                 <a:solidFill>
                   <a:srgbClr val="001080"/>
                 </a:solidFill>
                 <a:latin typeface="Consolas" panose="020B0609020204030204" pitchFamily="49" charset="0"/>
               </a:rPr>
-              <a:t>[Date]</a:t>
-            </a:r>
-            <a:r>
-              <a:rPr lang="en-US" dirty="0">
+              <a:t>[Date] </a:t>
+            </a:r>
+            <a:r xmlns:a="http://schemas.openxmlformats.org/drawingml/2006/main">
+              <a:rPr lang="en" dirty="0">
                 <a:solidFill>
                   <a:srgbClr val="000000"/>
                 </a:solidFill>
                 <a:latin typeface="Consolas" panose="020B0609020204030204" pitchFamily="49" charset="0"/>
               </a:rPr>
+              <a:t>, </a:t>
+            </a:r>
+            <a:r xmlns:a="http://schemas.openxmlformats.org/drawingml/2006/main">
+              <a:rPr lang="en" dirty="0">
+                <a:solidFill>
+                  <a:srgbClr val="A31515"/>
+                </a:solidFill>
+                <a:latin typeface="Consolas" panose="020B0609020204030204" pitchFamily="49" charset="0"/>
+              </a:rPr>
+              <a:t>“YYYY” </a:t>
+            </a:r>
+            <a:r xmlns:a="http://schemas.openxmlformats.org/drawingml/2006/main">
+              <a:rPr lang="en" dirty="0">
+                <a:solidFill>
+                  <a:srgbClr val="000000"/>
+                </a:solidFill>
+                <a:latin typeface="Consolas" panose="020B0609020204030204" pitchFamily="49" charset="0"/>
+              </a:rPr>
               <a:t>),</a:t>
             </a:r>
           </a:p>
           <a:p>
-            <a:r>
-              <a:rPr lang="en-US" dirty="0">
+            <a:r xmlns:a="http://schemas.openxmlformats.org/drawingml/2006/main">
+              <a:rPr lang="en" dirty="0">
                 <a:solidFill>
                   <a:srgbClr val="000000"/>
                 </a:solidFill>
@@ -4264,17 +4283,17 @@
               </a:rPr>
               <a:t>    </a:t>
             </a:r>
-            <a:r>
-              <a:rPr lang="en-US" dirty="0">
+            <a:r xmlns:a="http://schemas.openxmlformats.org/drawingml/2006/main">
+              <a:rPr lang="en" dirty="0">
                 <a:solidFill>
                   <a:srgbClr val="A31515"/>
                 </a:solidFill>
                 <a:latin typeface="Consolas" panose="020B0609020204030204" pitchFamily="49" charset="0"/>
               </a:rPr>
-              <a:t>"Month Name"</a:t>
-            </a:r>
-            <a:r>
-              <a:rPr lang="en-US" dirty="0">
+              <a:t>"Month Name" </a:t>
+            </a:r>
+            <a:r xmlns:a="http://schemas.openxmlformats.org/drawingml/2006/main">
+              <a:rPr lang="en" dirty="0">
                 <a:solidFill>
                   <a:srgbClr val="000000"/>
                 </a:solidFill>
@@ -4282,35 +4301,35 @@
               </a:rPr>
               <a:t>, </a:t>
             </a:r>
-            <a:r>
-              <a:rPr lang="en-US" dirty="0">
+            <a:r xmlns:a="http://schemas.openxmlformats.org/drawingml/2006/main">
+              <a:rPr lang="en" dirty="0">
                 <a:solidFill>
                   <a:srgbClr val="3165BB"/>
                 </a:solidFill>
                 <a:latin typeface="Consolas" panose="020B0609020204030204" pitchFamily="49" charset="0"/>
               </a:rPr>
-              <a:t>FORMAT</a:t>
-            </a:r>
-            <a:r>
-              <a:rPr lang="en-US" dirty="0">
+              <a:t>FORMAT </a:t>
+            </a:r>
+            <a:r xmlns:a="http://schemas.openxmlformats.org/drawingml/2006/main">
+              <a:rPr lang="en" dirty="0">
                 <a:solidFill>
                   <a:srgbClr val="000000"/>
                 </a:solidFill>
                 <a:latin typeface="Consolas" panose="020B0609020204030204" pitchFamily="49" charset="0"/>
               </a:rPr>
-              <a:t>(</a:t>
-            </a:r>
-            <a:r>
-              <a:rPr lang="en-US" dirty="0">
+              <a:t>( </a:t>
+            </a:r>
+            <a:r xmlns:a="http://schemas.openxmlformats.org/drawingml/2006/main">
+              <a:rPr lang="en" dirty="0">
                 <a:solidFill>
                   <a:srgbClr val="001080"/>
                 </a:solidFill>
                 <a:latin typeface="Consolas" panose="020B0609020204030204" pitchFamily="49" charset="0"/>
               </a:rPr>
-              <a:t>[Date]</a:t>
-            </a:r>
-            <a:r>
-              <a:rPr lang="en-US" dirty="0">
+              <a:t>[Date] </a:t>
+            </a:r>
+            <a:r xmlns:a="http://schemas.openxmlformats.org/drawingml/2006/main">
+              <a:rPr lang="en" dirty="0">
                 <a:solidFill>
                   <a:srgbClr val="000000"/>
                 </a:solidFill>
@@ -4318,35 +4337,100 @@
               </a:rPr>
               <a:t>, </a:t>
             </a:r>
-            <a:r>
-              <a:rPr lang="en-US" dirty="0">
+            <a:r xmlns:a="http://schemas.openxmlformats.org/drawingml/2006/main">
+              <a:rPr lang="en" dirty="0">
                 <a:solidFill>
                   <a:srgbClr val="A31515"/>
                 </a:solidFill>
                 <a:latin typeface="Consolas" panose="020B0609020204030204" pitchFamily="49" charset="0"/>
               </a:rPr>
-              <a:t>"</a:t>
-            </a:r>
-            <a:r>
-              <a:rPr lang="en-US" dirty="0" err="1">
+              <a:t>"MMMM" </a:t>
+            </a:r>
+            <a:r xmlns:a="http://schemas.openxmlformats.org/drawingml/2006/main">
+              <a:rPr lang="en" dirty="0">
+                <a:solidFill>
+                  <a:srgbClr val="000000"/>
+                </a:solidFill>
+                <a:latin typeface="Consolas" panose="020B0609020204030204" pitchFamily="49" charset="0"/>
+              </a:rPr>
+              <a:t>),</a:t>
+            </a:r>
+          </a:p>
+          <a:p>
+            <a:r xmlns:a="http://schemas.openxmlformats.org/drawingml/2006/main">
+              <a:rPr lang="en" dirty="0">
+                <a:solidFill>
+                  <a:srgbClr val="000000"/>
+                </a:solidFill>
+                <a:latin typeface="Consolas" panose="020B0609020204030204" pitchFamily="49" charset="0"/>
+              </a:rPr>
+              <a:t>    </a:t>
+            </a:r>
+            <a:r xmlns:a="http://schemas.openxmlformats.org/drawingml/2006/main">
+              <a:rPr lang="en" dirty="0">
                 <a:solidFill>
                   <a:srgbClr val="A31515"/>
                 </a:solidFill>
                 <a:latin typeface="Consolas" panose="020B0609020204030204" pitchFamily="49" charset="0"/>
               </a:rPr>
-              <a:t>mmmm</a:t>
-            </a:r>
-            <a:r>
-              <a:rPr lang="en-US" dirty="0">
+              <a:t>"Month Number" </a:t>
+            </a:r>
+            <a:r xmlns:a="http://schemas.openxmlformats.org/drawingml/2006/main">
+              <a:rPr lang="en" dirty="0">
+                <a:solidFill>
+                  <a:srgbClr val="000000"/>
+                </a:solidFill>
+                <a:latin typeface="Consolas" panose="020B0609020204030204" pitchFamily="49" charset="0"/>
+              </a:rPr>
+              <a:t>, </a:t>
+            </a:r>
+            <a:r xmlns:a="http://schemas.openxmlformats.org/drawingml/2006/main">
+              <a:rPr lang="en" dirty="0">
+                <a:solidFill>
+                  <a:srgbClr val="3165BB"/>
+                </a:solidFill>
+                <a:latin typeface="Consolas" panose="020B0609020204030204" pitchFamily="49" charset="0"/>
+              </a:rPr>
+              <a:t>FORMAT </a:t>
+            </a:r>
+            <a:r xmlns:a="http://schemas.openxmlformats.org/drawingml/2006/main">
+              <a:rPr lang="en" dirty="0">
+                <a:solidFill>
+                  <a:srgbClr val="000000"/>
+                </a:solidFill>
+                <a:latin typeface="Consolas" panose="020B0609020204030204" pitchFamily="49" charset="0"/>
+              </a:rPr>
+              <a:t>( </a:t>
+            </a:r>
+            <a:r xmlns:a="http://schemas.openxmlformats.org/drawingml/2006/main">
+              <a:rPr lang="en" dirty="0">
+                <a:solidFill>
+                  <a:srgbClr val="001080"/>
+                </a:solidFill>
+                <a:latin typeface="Consolas" panose="020B0609020204030204" pitchFamily="49" charset="0"/>
+              </a:rPr>
+              <a:t>[Date] </a:t>
+            </a:r>
+            <a:r xmlns:a="http://schemas.openxmlformats.org/drawingml/2006/main">
+              <a:rPr lang="en" dirty="0">
+                <a:solidFill>
+                  <a:srgbClr val="000000"/>
+                </a:solidFill>
+                <a:latin typeface="Consolas" panose="020B0609020204030204" pitchFamily="49" charset="0"/>
+              </a:rPr>
+              <a:t>, </a:t>
+            </a:r>
+            <a:r xmlns:a="http://schemas.openxmlformats.org/drawingml/2006/main">
+              <a:rPr lang="en" dirty="0">
                 <a:solidFill>
                   <a:srgbClr val="A31515"/>
                 </a:solidFill>
                 <a:latin typeface="Consolas" panose="020B0609020204030204" pitchFamily="49" charset="0"/>
               </a:rPr>
-              <a:t>"</a:t>
-            </a:r>
-            <a:r>
-              <a:rPr lang="en-US" dirty="0">
+              <a:t>"MM" </a:t>
+            </a:r>
+            <a:r xmlns:a="http://schemas.openxmlformats.org/drawingml/2006/main">
+              <a:rPr lang="en" dirty="0">
                 <a:solidFill>
                   <a:srgbClr val="000000"/>
                 </a:solidFill>
@@ -4356,8 +4440,8 @@
             </a:r>
           </a:p>
           <a:p>
-            <a:r>
-              <a:rPr lang="en-US" dirty="0">
+            <a:r xmlns:a="http://schemas.openxmlformats.org/drawingml/2006/main">
+              <a:rPr lang="en" dirty="0">
                 <a:solidFill>
                   <a:srgbClr val="000000"/>
                 </a:solidFill>
@@ -4365,17 +4449,17 @@
               </a:rPr>
               <a:t>    </a:t>
             </a:r>
-            <a:r>
-              <a:rPr lang="en-US" dirty="0">
+            <a:r xmlns:a="http://schemas.openxmlformats.org/drawingml/2006/main">
+              <a:rPr lang="en" dirty="0">
                 <a:solidFill>
                   <a:srgbClr val="A31515"/>
                 </a:solidFill>
                 <a:latin typeface="Consolas" panose="020B0609020204030204" pitchFamily="49" charset="0"/>
               </a:rPr>
-              <a:t>"Month Number"</a:t>
-            </a:r>
-            <a:r>
-              <a:rPr lang="en-US" dirty="0">
+              <a:t>"Date Key" </a:t>
+            </a:r>
+            <a:r xmlns:a="http://schemas.openxmlformats.org/drawingml/2006/main">
+              <a:rPr lang="en" dirty="0">
                 <a:solidFill>
                   <a:srgbClr val="000000"/>
                 </a:solidFill>
@@ -4383,227 +4467,162 @@
               </a:rPr>
               <a:t>, </a:t>
             </a:r>
-            <a:r>
-              <a:rPr lang="en-US" dirty="0">
+            <a:r xmlns:a="http://schemas.openxmlformats.org/drawingml/2006/main">
+              <a:rPr lang="en" dirty="0">
                 <a:solidFill>
                   <a:srgbClr val="3165BB"/>
                 </a:solidFill>
                 <a:latin typeface="Consolas" panose="020B0609020204030204" pitchFamily="49" charset="0"/>
               </a:rPr>
-              <a:t>MONTH</a:t>
-            </a:r>
-            <a:r>
-              <a:rPr lang="en-US" dirty="0">
+              <a:t>YEAR </a:t>
+            </a:r>
+            <a:r xmlns:a="http://schemas.openxmlformats.org/drawingml/2006/main">
+              <a:rPr lang="en" dirty="0">
                 <a:solidFill>
                   <a:srgbClr val="000000"/>
                 </a:solidFill>
                 <a:latin typeface="Consolas" panose="020B0609020204030204" pitchFamily="49" charset="0"/>
               </a:rPr>
-              <a:t>(</a:t>
-            </a:r>
-            <a:r>
-              <a:rPr lang="en-US" dirty="0">
+              <a:t>( </a:t>
+            </a:r>
+            <a:r xmlns:a="http://schemas.openxmlformats.org/drawingml/2006/main">
+              <a:rPr lang="en" dirty="0">
                 <a:solidFill>
                   <a:srgbClr val="001080"/>
                 </a:solidFill>
                 <a:latin typeface="Consolas" panose="020B0609020204030204" pitchFamily="49" charset="0"/>
               </a:rPr>
-              <a:t>[Date]</a:t>
-            </a:r>
-            <a:r>
-              <a:rPr lang="en-US" dirty="0">
+              <a:t>[Date] </a:t>
+            </a:r>
+            <a:r xmlns:a="http://schemas.openxmlformats.org/drawingml/2006/main">
+              <a:rPr lang="en" dirty="0">
                 <a:solidFill>
                   <a:srgbClr val="000000"/>
                 </a:solidFill>
                 <a:latin typeface="Consolas" panose="020B0609020204030204" pitchFamily="49" charset="0"/>
               </a:rPr>
-              <a:t>),</a:t>
-            </a:r>
-          </a:p>
-          <a:p>
-            <a:r>
-              <a:rPr lang="en-US" dirty="0">
+              <a:t>) * </a:t>
+            </a:r>
+            <a:r xmlns:a="http://schemas.openxmlformats.org/drawingml/2006/main">
+              <a:rPr lang="en" dirty="0">
+                <a:solidFill>
+                  <a:srgbClr val="098658"/>
+                </a:solidFill>
+                <a:latin typeface="Consolas" panose="020B0609020204030204" pitchFamily="49" charset="0"/>
+              </a:rPr>
+              <a:t>10000 </a:t>
+            </a:r>
+            <a:r xmlns:a="http://schemas.openxmlformats.org/drawingml/2006/main">
+              <a:rPr lang="en" dirty="0">
                 <a:solidFill>
                   <a:srgbClr val="000000"/>
                 </a:solidFill>
                 <a:latin typeface="Consolas" panose="020B0609020204030204" pitchFamily="49" charset="0"/>
               </a:rPr>
-              <a:t>    </a:t>
-            </a:r>
-            <a:r>
-              <a:rPr lang="en-US" dirty="0">
-                <a:solidFill>
-                  <a:srgbClr val="A31515"/>
-                </a:solidFill>
-                <a:latin typeface="Consolas" panose="020B0609020204030204" pitchFamily="49" charset="0"/>
-              </a:rPr>
-              <a:t>"Date Key"</a:t>
-            </a:r>
-            <a:r>
-              <a:rPr lang="en-US" dirty="0">
+              <a:t>+ </a:t>
+            </a:r>
+            <a:r xmlns:a="http://schemas.openxmlformats.org/drawingml/2006/main">
+              <a:rPr lang="en" dirty="0">
+                <a:solidFill>
+                  <a:srgbClr val="3165BB"/>
+                </a:solidFill>
+                <a:latin typeface="Consolas" panose="020B0609020204030204" pitchFamily="49" charset="0"/>
+              </a:rPr>
+              <a:t>MONTH </a:t>
+            </a:r>
+            <a:r xmlns:a="http://schemas.openxmlformats.org/drawingml/2006/main">
+              <a:rPr lang="en" dirty="0">
                 <a:solidFill>
                   <a:srgbClr val="000000"/>
                 </a:solidFill>
                 <a:latin typeface="Consolas" panose="020B0609020204030204" pitchFamily="49" charset="0"/>
               </a:rPr>
-              <a:t>, </a:t>
-            </a:r>
-            <a:r>
-              <a:rPr lang="en-US" dirty="0">
+              <a:t>( </a:t>
+            </a:r>
+            <a:r xmlns:a="http://schemas.openxmlformats.org/drawingml/2006/main">
+              <a:rPr lang="en" dirty="0">
+                <a:solidFill>
+                  <a:srgbClr val="001080"/>
+                </a:solidFill>
+                <a:latin typeface="Consolas" panose="020B0609020204030204" pitchFamily="49" charset="0"/>
+              </a:rPr>
+              <a:t>[Date] </a:t>
+            </a:r>
+            <a:r xmlns:a="http://schemas.openxmlformats.org/drawingml/2006/main">
+              <a:rPr lang="en" dirty="0">
+                <a:solidFill>
+                  <a:srgbClr val="000000"/>
+                </a:solidFill>
+                <a:latin typeface="Consolas" panose="020B0609020204030204" pitchFamily="49" charset="0"/>
+              </a:rPr>
+              <a:t>) * </a:t>
+            </a:r>
+            <a:r xmlns:a="http://schemas.openxmlformats.org/drawingml/2006/main">
+              <a:rPr lang="en" dirty="0">
+                <a:solidFill>
+                  <a:srgbClr val="098658"/>
+                </a:solidFill>
+                <a:latin typeface="Consolas" panose="020B0609020204030204" pitchFamily="49" charset="0"/>
+              </a:rPr>
+              <a:t>100 </a:t>
+            </a:r>
+            <a:r xmlns:a="http://schemas.openxmlformats.org/drawingml/2006/main">
+              <a:rPr lang="en" dirty="0">
+                <a:solidFill>
+                  <a:srgbClr val="000000"/>
+                </a:solidFill>
+                <a:latin typeface="Consolas" panose="020B0609020204030204" pitchFamily="49" charset="0"/>
+              </a:rPr>
+              <a:t>+ </a:t>
+            </a:r>
+            <a:r xmlns:a="http://schemas.openxmlformats.org/drawingml/2006/main">
+              <a:rPr lang="en" dirty="0">
                 <a:solidFill>
                   <a:srgbClr val="3165BB"/>
                 </a:solidFill>
                 <a:latin typeface="Consolas" panose="020B0609020204030204" pitchFamily="49" charset="0"/>
               </a:rPr>
-              <a:t>YEAR</a:t>
-            </a:r>
-            <a:r>
-              <a:rPr lang="en-US" dirty="0">
+              <a:t>DAY </a:t>
+            </a:r>
+            <a:r xmlns:a="http://schemas.openxmlformats.org/drawingml/2006/main">
+              <a:rPr lang="en" dirty="0">
                 <a:solidFill>
                   <a:srgbClr val="000000"/>
                 </a:solidFill>
                 <a:latin typeface="Consolas" panose="020B0609020204030204" pitchFamily="49" charset="0"/>
               </a:rPr>
-              <a:t>(</a:t>
-            </a:r>
-            <a:r>
-              <a:rPr lang="en-US" dirty="0">
+              <a:t>( </a:t>
+            </a:r>
+            <a:r xmlns:a="http://schemas.openxmlformats.org/drawingml/2006/main">
+              <a:rPr lang="en" dirty="0">
                 <a:solidFill>
                   <a:srgbClr val="001080"/>
                 </a:solidFill>
                 <a:latin typeface="Consolas" panose="020B0609020204030204" pitchFamily="49" charset="0"/>
               </a:rPr>
-              <a:t>[Date]</a:t>
-            </a:r>
-            <a:r>
-              <a:rPr lang="en-US" dirty="0">
+              <a:t>[Date] </a:t>
+            </a:r>
+            <a:r xmlns:a="http://schemas.openxmlformats.org/drawingml/2006/main">
+              <a:rPr lang="en" dirty="0">
                 <a:solidFill>
                   <a:srgbClr val="000000"/>
                 </a:solidFill>
                 <a:latin typeface="Consolas" panose="020B0609020204030204" pitchFamily="49" charset="0"/>
               </a:rPr>
-              <a:t>) * </a:t>
-            </a:r>
-            <a:r>
-              <a:rPr lang="en-US" dirty="0">
-                <a:solidFill>
-                  <a:srgbClr val="098658"/>
-                </a:solidFill>
-                <a:latin typeface="Consolas" panose="020B0609020204030204" pitchFamily="49" charset="0"/>
-              </a:rPr>
-              <a:t>10000</a:t>
-            </a:r>
-            <a:r>
-              <a:rPr lang="en-US" dirty="0">
+              <a:t>)</a:t>
+            </a:r>
+          </a:p>
+          <a:p>
+            <a:r xmlns:a="http://schemas.openxmlformats.org/drawingml/2006/main">
+              <a:rPr lang="en" dirty="0">
                 <a:solidFill>
                   <a:srgbClr val="000000"/>
                 </a:solidFill>
                 <a:latin typeface="Consolas" panose="020B0609020204030204" pitchFamily="49" charset="0"/>
               </a:rPr>
-              <a:t> + </a:t>
-            </a:r>
-            <a:r>
-              <a:rPr lang="en-US" dirty="0">
-                <a:solidFill>
-                  <a:srgbClr val="3165BB"/>
-                </a:solidFill>
-                <a:latin typeface="Consolas" panose="020B0609020204030204" pitchFamily="49" charset="0"/>
-              </a:rPr>
-              <a:t>MONTH</a:t>
-            </a:r>
-            <a:r>
-              <a:rPr lang="en-US" dirty="0">
-                <a:solidFill>
-                  <a:srgbClr val="000000"/>
-                </a:solidFill>
-                <a:latin typeface="Consolas" panose="020B0609020204030204" pitchFamily="49" charset="0"/>
-              </a:rPr>
-              <a:t>(</a:t>
-            </a:r>
-            <a:r>
-              <a:rPr lang="en-US" dirty="0">
-                <a:solidFill>
-                  <a:srgbClr val="001080"/>
-                </a:solidFill>
-                <a:latin typeface="Consolas" panose="020B0609020204030204" pitchFamily="49" charset="0"/>
-              </a:rPr>
-              <a:t>[Date]</a:t>
-            </a:r>
-            <a:r>
-              <a:rPr lang="en-US" dirty="0">
-                <a:solidFill>
-                  <a:srgbClr val="000000"/>
-                </a:solidFill>
-                <a:latin typeface="Consolas" panose="020B0609020204030204" pitchFamily="49" charset="0"/>
-              </a:rPr>
-              <a:t>) * </a:t>
-            </a:r>
-            <a:r>
-              <a:rPr lang="en-US" dirty="0">
-                <a:solidFill>
-                  <a:srgbClr val="098658"/>
-                </a:solidFill>
-                <a:latin typeface="Consolas" panose="020B0609020204030204" pitchFamily="49" charset="0"/>
-              </a:rPr>
-              <a:t>100</a:t>
-            </a:r>
-            <a:r>
-              <a:rPr lang="en-US" dirty="0">
-                <a:solidFill>
-                  <a:srgbClr val="000000"/>
-                </a:solidFill>
-                <a:latin typeface="Consolas" panose="020B0609020204030204" pitchFamily="49" charset="0"/>
-              </a:rPr>
-              <a:t> + </a:t>
-            </a:r>
-            <a:r>
-              <a:rPr lang="en-US" dirty="0">
-                <a:solidFill>
-                  <a:srgbClr val="3165BB"/>
-                </a:solidFill>
-                <a:latin typeface="Consolas" panose="020B0609020204030204" pitchFamily="49" charset="0"/>
-              </a:rPr>
-              <a:t>DAY</a:t>
-            </a:r>
-            <a:r>
-              <a:rPr lang="en-US" dirty="0">
-                <a:solidFill>
-                  <a:srgbClr val="000000"/>
-                </a:solidFill>
-                <a:latin typeface="Consolas" panose="020B0609020204030204" pitchFamily="49" charset="0"/>
-              </a:rPr>
-              <a:t>(</a:t>
-            </a:r>
-            <a:r>
-              <a:rPr lang="en-US" dirty="0">
-                <a:solidFill>
-                  <a:srgbClr val="001080"/>
-                </a:solidFill>
-                <a:latin typeface="Consolas" panose="020B0609020204030204" pitchFamily="49" charset="0"/>
-              </a:rPr>
-              <a:t>[Date]</a:t>
-            </a:r>
-            <a:r>
-              <a:rPr lang="en-US" dirty="0">
-                <a:solidFill>
-                  <a:srgbClr val="000000"/>
-                </a:solidFill>
-                <a:latin typeface="Consolas" panose="020B0609020204030204" pitchFamily="49" charset="0"/>
-              </a:rPr>
               <a:t>)</a:t>
             </a:r>
-          </a:p>
-          <a:p>
-            <a:r>
-              <a:rPr lang="en-US" dirty="0">
-                <a:solidFill>
-                  <a:srgbClr val="000000"/>
-                </a:solidFill>
-                <a:latin typeface="Consolas" panose="020B0609020204030204" pitchFamily="49" charset="0"/>
-              </a:rPr>
-              <a:t>)</a:t>
-            </a:r>
-            <a:endParaRPr lang="en-US" b="0" dirty="0">
+            <a:endParaRPr xmlns:a="http://schemas.openxmlformats.org/drawingml/2006/main" lang="en-US" b="0" dirty="0">
               <a:solidFill>
                 <a:srgbClr val="000000"/>
               </a:solidFill>
@@ -4652,7 +4671,7 @@
         <p:spPr>
           <a:xfrm>
             <a:off x="288758" y="275007"/>
-            <a:ext cx="4367734" cy="400110"/>
+            <a:ext cx="4573240" cy="400110"/>
           </a:xfrm>
           <a:prstGeom prst="rect">
             <a:avLst/>
@@ -4665,14 +4684,14 @@
           </a:bodyPr>
           <a:lstStyle/>
           <a:p>
-            <a:r>
-              <a:rPr lang="en-US" sz="2000" dirty="0" smtClean="0">
+            <a:r xmlns:a="http://schemas.openxmlformats.org/drawingml/2006/main">
+              <a:rPr lang="en" sz="2000" b="1" dirty="0" smtClean="0">
                 <a:latin typeface="Segoe UI" panose="020B0502040204020203" pitchFamily="34" charset="0"/>
                 <a:cs typeface="Segoe UI" panose="020B0502040204020203" pitchFamily="34" charset="0"/>
               </a:rPr>
-              <a:t>Adding date dimension to the model</a:t>
-            </a:r>
-            <a:endParaRPr lang="en-US" sz="2000" dirty="0">
+              <a:t>Add the date dimension to the model</a:t>
+            </a:r>
+            <a:endParaRPr xmlns:a="http://schemas.openxmlformats.org/drawingml/2006/main" lang="en-US" sz="2000" b="1" dirty="0">
               <a:latin typeface="Segoe UI" panose="020B0502040204020203" pitchFamily="34" charset="0"/>
               <a:cs typeface="Segoe UI" panose="020B0502040204020203" pitchFamily="34" charset="0"/>
             </a:endParaRPr>
@@ -4688,7 +4707,7 @@
         <p:spPr>
           <a:xfrm>
             <a:off x="288758" y="826383"/>
-            <a:ext cx="10963442" cy="366895"/>
+            <a:ext cx="11735946" cy="421654"/>
           </a:xfrm>
           <a:prstGeom prst="rect">
             <a:avLst/>
@@ -4700,7 +4719,7 @@
           </a:bodyPr>
           <a:lstStyle/>
           <a:p>
-            <a:pPr lvl="0">
+            <a:pPr xmlns:a="http://schemas.openxmlformats.org/drawingml/2006/main" lvl="0">
               <a:lnSpc>
                 <a:spcPct val="107000"/>
               </a:lnSpc>
@@ -4708,108 +4727,76 @@
                 <a:spcPts val="800"/>
               </a:spcAft>
             </a:pPr>
-            <a:r>
-              <a:rPr lang="fr-FR" dirty="0" smtClean="0">
-                <a:latin typeface="Segoe UI" panose="020B0502040204020203" pitchFamily="34" charset="0"/>
-                <a:ea typeface="Calibri" panose="020F0502020204030204" pitchFamily="34" charset="0"/>
-                <a:cs typeface="Segoe UI" panose="020B0502040204020203" pitchFamily="34" charset="0"/>
-              </a:rPr>
-              <a:t>Switch to the model </a:t>
-            </a:r>
-            <a:r>
-              <a:rPr lang="fr-FR" dirty="0" err="1" smtClean="0">
-                <a:latin typeface="Segoe UI" panose="020B0502040204020203" pitchFamily="34" charset="0"/>
-                <a:ea typeface="Calibri" panose="020F0502020204030204" pitchFamily="34" charset="0"/>
-                <a:cs typeface="Segoe UI" panose="020B0502040204020203" pitchFamily="34" charset="0"/>
-              </a:rPr>
-              <a:t>view</a:t>
-            </a:r>
-            <a:r>
-              <a:rPr lang="fr-FR" dirty="0" smtClean="0">
-                <a:latin typeface="Segoe UI" panose="020B0502040204020203" pitchFamily="34" charset="0"/>
-                <a:ea typeface="Calibri" panose="020F0502020204030204" pitchFamily="34" charset="0"/>
-                <a:cs typeface="Segoe UI" panose="020B0502040204020203" pitchFamily="34" charset="0"/>
-              </a:rPr>
-              <a:t> and drag and drop </a:t>
-            </a:r>
-            <a:r>
-              <a:rPr lang="fr-FR" b="1" dirty="0" err="1" smtClean="0">
-                <a:latin typeface="Segoe UI" panose="020B0502040204020203" pitchFamily="34" charset="0"/>
-                <a:ea typeface="Calibri" panose="020F0502020204030204" pitchFamily="34" charset="0"/>
-                <a:cs typeface="Segoe UI" panose="020B0502040204020203" pitchFamily="34" charset="0"/>
-              </a:rPr>
-              <a:t>DimDate</a:t>
-            </a:r>
-            <a:r>
-              <a:rPr lang="fr-FR" b="1" dirty="0" smtClean="0">
-                <a:latin typeface="Segoe UI" panose="020B0502040204020203" pitchFamily="34" charset="0"/>
-                <a:ea typeface="Calibri" panose="020F0502020204030204" pitchFamily="34" charset="0"/>
-                <a:cs typeface="Segoe UI" panose="020B0502040204020203" pitchFamily="34" charset="0"/>
-              </a:rPr>
-              <a:t>[</a:t>
-            </a:r>
-            <a:r>
-              <a:rPr lang="fr-FR" b="1" dirty="0" err="1" smtClean="0">
-                <a:latin typeface="Segoe UI" panose="020B0502040204020203" pitchFamily="34" charset="0"/>
-                <a:ea typeface="Calibri" panose="020F0502020204030204" pitchFamily="34" charset="0"/>
-                <a:cs typeface="Segoe UI" panose="020B0502040204020203" pitchFamily="34" charset="0"/>
-              </a:rPr>
-              <a:t>DateKey</a:t>
-            </a:r>
-            <a:r>
-              <a:rPr lang="fr-FR" b="1" dirty="0" smtClean="0">
-                <a:latin typeface="Segoe UI" panose="020B0502040204020203" pitchFamily="34" charset="0"/>
-                <a:ea typeface="Calibri" panose="020F0502020204030204" pitchFamily="34" charset="0"/>
-                <a:cs typeface="Segoe UI" panose="020B0502040204020203" pitchFamily="34" charset="0"/>
-              </a:rPr>
-              <a:t>]</a:t>
-            </a:r>
-            <a:r>
-              <a:rPr lang="fr-FR" dirty="0" smtClean="0">
-                <a:latin typeface="Segoe UI" panose="020B0502040204020203" pitchFamily="34" charset="0"/>
-                <a:ea typeface="Calibri" panose="020F0502020204030204" pitchFamily="34" charset="0"/>
-                <a:cs typeface="Segoe UI" panose="020B0502040204020203" pitchFamily="34" charset="0"/>
-              </a:rPr>
-              <a:t> to </a:t>
-            </a:r>
-            <a:r>
-              <a:rPr lang="fr-FR" b="1" dirty="0" err="1" smtClean="0">
-                <a:latin typeface="Segoe UI" panose="020B0502040204020203" pitchFamily="34" charset="0"/>
-                <a:ea typeface="Calibri" panose="020F0502020204030204" pitchFamily="34" charset="0"/>
-                <a:cs typeface="Segoe UI" panose="020B0502040204020203" pitchFamily="34" charset="0"/>
-              </a:rPr>
-              <a:t>FactSales</a:t>
-            </a:r>
-            <a:r>
-              <a:rPr lang="fr-FR" b="1" dirty="0" smtClean="0">
-                <a:latin typeface="Segoe UI" panose="020B0502040204020203" pitchFamily="34" charset="0"/>
-                <a:ea typeface="Calibri" panose="020F0502020204030204" pitchFamily="34" charset="0"/>
-                <a:cs typeface="Segoe UI" panose="020B0502040204020203" pitchFamily="34" charset="0"/>
-              </a:rPr>
-              <a:t>[</a:t>
-            </a:r>
-            <a:r>
-              <a:rPr lang="fr-FR" b="1" dirty="0" err="1" smtClean="0">
-                <a:latin typeface="Segoe UI" panose="020B0502040204020203" pitchFamily="34" charset="0"/>
-                <a:ea typeface="Calibri" panose="020F0502020204030204" pitchFamily="34" charset="0"/>
-                <a:cs typeface="Segoe UI" panose="020B0502040204020203" pitchFamily="34" charset="0"/>
-              </a:rPr>
-              <a:t>DateKey</a:t>
-            </a:r>
-            <a:r>
-              <a:rPr lang="fr-FR" b="1" dirty="0" smtClean="0">
-                <a:latin typeface="Segoe UI" panose="020B0502040204020203" pitchFamily="34" charset="0"/>
-                <a:ea typeface="Calibri" panose="020F0502020204030204" pitchFamily="34" charset="0"/>
-                <a:cs typeface="Segoe UI" panose="020B0502040204020203" pitchFamily="34" charset="0"/>
-              </a:rPr>
-              <a:t>] </a:t>
-            </a:r>
-            <a:endParaRPr lang="en-US" b="1" dirty="0">
+            <a:r xmlns:a="http://schemas.openxmlformats.org/drawingml/2006/main">
+              <a:rPr lang="en" sz="2000" dirty="0"/>
+              <a:t>Switch to Model </a:t>
+            </a:r>
+            <a:r xmlns:a="http://schemas.openxmlformats.org/drawingml/2006/main">
+              <a:rPr lang="en" sz="2000" b="1" dirty="0"/>
+              <a:t>View </a:t>
+            </a:r>
+            <a:r xmlns:a="http://schemas.openxmlformats.org/drawingml/2006/main">
+              <a:rPr lang="en" sz="2000" b="1" i="1" dirty="0" err="1" smtClean="0"/>
+              <a:t>and </a:t>
+            </a:r>
+            <a:r xmlns:a="http://schemas.openxmlformats.org/drawingml/2006/main">
+              <a:rPr lang="en" sz="2000" b="1" dirty="0" smtClean="0"/>
+              <a:t>drag </a:t>
+            </a:r>
+            <a:r xmlns:a="http://schemas.openxmlformats.org/drawingml/2006/main">
+              <a:rPr lang="en" sz="2000" dirty="0" smtClean="0"/>
+              <a:t>and </a:t>
+            </a:r>
+            <a:r xmlns:a="http://schemas.openxmlformats.org/drawingml/2006/main">
+              <a:rPr lang="en" sz="2000" dirty="0"/>
+              <a:t>drop </a:t>
+            </a:r>
+            <a:endParaRPr xmlns:a="http://schemas.openxmlformats.org/drawingml/2006/main" lang="en-US" sz="2000" b="1" dirty="0">
               <a:effectLst/>
               <a:latin typeface="Segoe UI" panose="020B0502040204020203" pitchFamily="34" charset="0"/>
               <a:ea typeface="Calibri" panose="020F0502020204030204" pitchFamily="34" charset="0"/>
               <a:cs typeface="Segoe UI" panose="020B0502040204020203" pitchFamily="34" charset="0"/>
             </a:endParaRPr>
+            <a:r xmlns:a="http://schemas.openxmlformats.org/drawingml/2006/main">
+              <a:rPr lang="en" sz="2000" dirty="0"/>
+              <a:t>DimDate </a:t>
+            </a:r>
+            <a:r xmlns:a="http://schemas.openxmlformats.org/drawingml/2006/main">
+              <a:rPr lang="en" sz="2000" b="1" dirty="0" err="1"/>
+              <a:t>[ </a:t>
+            </a:r>
+            <a:r xmlns:a="http://schemas.openxmlformats.org/drawingml/2006/main">
+              <a:rPr lang="en" sz="2000" b="1" dirty="0"/>
+              <a:t>DateKey </a:t>
+            </a:r>
+            <a:r xmlns:a="http://schemas.openxmlformats.org/drawingml/2006/main">
+              <a:rPr lang="en" sz="2000" b="1" dirty="0" err="1"/>
+              <a:t>] </a:t>
+            </a:r>
+            <a:r xmlns:a="http://schemas.openxmlformats.org/drawingml/2006/main">
+              <a:rPr lang="en" sz="2000" b="1" i="1" dirty="0"/>
+              <a:t>to </a:t>
+            </a:r>
+            <a:r xmlns:a="http://schemas.openxmlformats.org/drawingml/2006/main">
+              <a:rPr lang="en" sz="2000" dirty="0"/>
+              <a:t>FactSales </a:t>
+            </a:r>
+            <a:r xmlns:a="http://schemas.openxmlformats.org/drawingml/2006/main">
+              <a:rPr lang="en" sz="2000" b="1" dirty="0"/>
+              <a:t>[ </a:t>
+            </a:r>
+            <a:r xmlns:a="http://schemas.openxmlformats.org/drawingml/2006/main">
+              <a:rPr lang="en" sz="2000" b="1" dirty="0" err="1"/>
+              <a:t>DateKey </a:t>
+            </a:r>
+            <a:r xmlns:a="http://schemas.openxmlformats.org/drawingml/2006/main">
+              <a:rPr lang="en" sz="2000" b="1" dirty="0"/>
+              <a:t>] </a:t>
+            </a:r>
+            <a:r xmlns:a="http://schemas.openxmlformats.org/drawingml/2006/main">
+              <a:rPr lang="en" sz="2000" b="1" dirty="0"/>
+              <a:t>.</a:t>
+            </a:r>
           </a:p>
         </p:txBody>
       </p:sp>
@@ -4926,14 +4913,14 @@
       </p:sp>
       <p:sp>
         <p:nvSpPr>
-          <p:cNvPr id="5" name="TextBox 4"/>
+          <p:cNvPr id="7" name="TextBox 6"/>
           <p:cNvSpPr txBox="1"/>
           <p:nvPr/>
         </p:nvSpPr>
         <p:spPr>
           <a:xfrm>
-            <a:off x="2916199" y="2162433"/>
-            <a:ext cx="6230360" cy="1569660"/>
+            <a:off x="4023104" y="2629946"/>
+            <a:ext cx="3456395" cy="1569660"/>
           </a:xfrm>
           <a:prstGeom prst="rect">
             <a:avLst/>
@@ -4946,8 +4933,8 @@
           </a:bodyPr>
           <a:lstStyle/>
           <a:p>
-            <a:r>
-              <a:rPr lang="en-US" sz="9600" b="1" dirty="0" smtClean="0">
+            <a:r xmlns:a="http://schemas.openxmlformats.org/drawingml/2006/main">
+              <a:rPr lang="en" sz="9600" b="1" dirty="0" smtClean="0">
                 <a:solidFill>
                   <a:srgbClr val="7030A0"/>
                 </a:solidFill>
@@ -4955,9 +4942,9 @@
                 <a:ea typeface="Verdana" panose="020B0604030504040204" pitchFamily="34" charset="0"/>
                 <a:cs typeface="Segoe UI" panose="020B0502040204020203" pitchFamily="34" charset="0"/>
               </a:rPr>
-              <a:t>Thank you</a:t>
-            </a:r>
-            <a:endParaRPr lang="en-US" sz="9600" b="1" dirty="0">
+              <a:t>THANKS</a:t>
+            </a:r>
+            <a:endParaRPr xmlns:a="http://schemas.openxmlformats.org/drawingml/2006/main" lang="en-US" sz="9600" b="1" dirty="0">
               <a:solidFill>
                 <a:srgbClr val="7030A0"/>
               </a:solidFill>
@@ -4970,14 +4957,14 @@
       </p:sp>
       <p:sp>
         <p:nvSpPr>
-          <p:cNvPr id="6" name="TextBox 5"/>
+          <p:cNvPr id="8" name="TextBox 7"/>
           <p:cNvSpPr txBox="1"/>
           <p:nvPr/>
         </p:nvSpPr>
         <p:spPr>
           <a:xfrm>
-            <a:off x="2990336" y="2217861"/>
-            <a:ext cx="6230360" cy="1569660"/>
+            <a:off x="3962373" y="2541714"/>
+            <a:ext cx="3456395" cy="1569660"/>
           </a:xfrm>
           <a:prstGeom prst="rect">
             <a:avLst/>
@@ -4990,8 +4977,8 @@
           </a:bodyPr>
           <a:lstStyle/>
           <a:p>
-            <a:r>
-              <a:rPr lang="en-US" sz="9600" b="1" dirty="0" smtClean="0">
+            <a:r xmlns:a="http://schemas.openxmlformats.org/drawingml/2006/main">
+              <a:rPr lang="en" sz="9600" b="1" dirty="0" smtClean="0">
                 <a:solidFill>
                   <a:schemeClr val="bg1"/>
                 </a:solidFill>
@@ -4999,9 +4986,9 @@
                 <a:ea typeface="Verdana" panose="020B0604030504040204" pitchFamily="34" charset="0"/>
                 <a:cs typeface="Segoe UI" panose="020B0502040204020203" pitchFamily="34" charset="0"/>
               </a:rPr>
-              <a:t>Thank you</a:t>
-            </a:r>
-            <a:endParaRPr lang="en-US" sz="9600" b="1" dirty="0">
+              <a:t>THANKS</a:t>
+            </a:r>
+            <a:endParaRPr xmlns:a="http://schemas.openxmlformats.org/drawingml/2006/main" lang="en-US" sz="9600" b="1" dirty="0">
               <a:solidFill>
                 <a:schemeClr val="bg1"/>
               </a:solidFill>

--- a/English/3.Modeling/0.Adding date dimension to Model.pptx
+++ b/English/3.Modeling/0.Adding date dimension to Model.pptx
@@ -201,7 +201,7 @@
           <a:p>
             <a:fld id="{056BA3B8-9F76-4D81-B71D-76CB85363062}" type="datetimeFigureOut">
               <a:rPr lang="en-US" smtClean="0"/>
-              <a:t>3/4/2025</a:t>
+              <a:t>4/3/2025</a:t>
             </a:fld>
             <a:endParaRPr lang="en-US"/>
           </a:p>
@@ -600,7 +600,7 @@
           <a:p>
             <a:fld id="{6F01DA4D-20EA-48D2-973C-0311EC3005D6}" type="datetimeFigureOut">
               <a:rPr lang="en-US" smtClean="0"/>
-              <a:t>3/4/2025</a:t>
+              <a:t>4/3/2025</a:t>
             </a:fld>
             <a:endParaRPr lang="en-US"/>
           </a:p>
@@ -770,7 +770,7 @@
           <a:p>
             <a:fld id="{6F01DA4D-20EA-48D2-973C-0311EC3005D6}" type="datetimeFigureOut">
               <a:rPr lang="en-US" smtClean="0"/>
-              <a:t>3/4/2025</a:t>
+              <a:t>4/3/2025</a:t>
             </a:fld>
             <a:endParaRPr lang="en-US"/>
           </a:p>
@@ -950,7 +950,7 @@
           <a:p>
             <a:fld id="{6F01DA4D-20EA-48D2-973C-0311EC3005D6}" type="datetimeFigureOut">
               <a:rPr lang="en-US" smtClean="0"/>
-              <a:t>3/4/2025</a:t>
+              <a:t>4/3/2025</a:t>
             </a:fld>
             <a:endParaRPr lang="en-US"/>
           </a:p>
@@ -1120,7 +1120,7 @@
           <a:p>
             <a:fld id="{6F01DA4D-20EA-48D2-973C-0311EC3005D6}" type="datetimeFigureOut">
               <a:rPr lang="en-US" smtClean="0"/>
-              <a:t>3/4/2025</a:t>
+              <a:t>4/3/2025</a:t>
             </a:fld>
             <a:endParaRPr lang="en-US"/>
           </a:p>
@@ -1366,7 +1366,7 @@
           <a:p>
             <a:fld id="{6F01DA4D-20EA-48D2-973C-0311EC3005D6}" type="datetimeFigureOut">
               <a:rPr lang="en-US" smtClean="0"/>
-              <a:t>3/4/2025</a:t>
+              <a:t>4/3/2025</a:t>
             </a:fld>
             <a:endParaRPr lang="en-US"/>
           </a:p>
@@ -1598,7 +1598,7 @@
           <a:p>
             <a:fld id="{6F01DA4D-20EA-48D2-973C-0311EC3005D6}" type="datetimeFigureOut">
               <a:rPr lang="en-US" smtClean="0"/>
-              <a:t>3/4/2025</a:t>
+              <a:t>4/3/2025</a:t>
             </a:fld>
             <a:endParaRPr lang="en-US"/>
           </a:p>
@@ -1965,7 +1965,7 @@
           <a:p>
             <a:fld id="{6F01DA4D-20EA-48D2-973C-0311EC3005D6}" type="datetimeFigureOut">
               <a:rPr lang="en-US" smtClean="0"/>
-              <a:t>3/4/2025</a:t>
+              <a:t>4/3/2025</a:t>
             </a:fld>
             <a:endParaRPr lang="en-US"/>
           </a:p>
@@ -2083,7 +2083,7 @@
           <a:p>
             <a:fld id="{6F01DA4D-20EA-48D2-973C-0311EC3005D6}" type="datetimeFigureOut">
               <a:rPr lang="en-US" smtClean="0"/>
-              <a:t>3/4/2025</a:t>
+              <a:t>4/3/2025</a:t>
             </a:fld>
             <a:endParaRPr lang="en-US"/>
           </a:p>
@@ -2178,7 +2178,7 @@
           <a:p>
             <a:fld id="{6F01DA4D-20EA-48D2-973C-0311EC3005D6}" type="datetimeFigureOut">
               <a:rPr lang="en-US" smtClean="0"/>
-              <a:t>3/4/2025</a:t>
+              <a:t>4/3/2025</a:t>
             </a:fld>
             <a:endParaRPr lang="en-US"/>
           </a:p>
@@ -2455,7 +2455,7 @@
           <a:p>
             <a:fld id="{6F01DA4D-20EA-48D2-973C-0311EC3005D6}" type="datetimeFigureOut">
               <a:rPr lang="en-US" smtClean="0"/>
-              <a:t>3/4/2025</a:t>
+              <a:t>4/3/2025</a:t>
             </a:fld>
             <a:endParaRPr lang="en-US"/>
           </a:p>
@@ -2708,7 +2708,7 @@
           <a:p>
             <a:fld id="{6F01DA4D-20EA-48D2-973C-0311EC3005D6}" type="datetimeFigureOut">
               <a:rPr lang="en-US" smtClean="0"/>
-              <a:t>3/4/2025</a:t>
+              <a:t>4/3/2025</a:t>
             </a:fld>
             <a:endParaRPr lang="en-US"/>
           </a:p>
@@ -2921,7 +2921,7 @@
           <a:p>
             <a:fld id="{6F01DA4D-20EA-48D2-973C-0311EC3005D6}" type="datetimeFigureOut">
               <a:rPr lang="en-US" smtClean="0"/>
-              <a:t>3/4/2025</a:t>
+              <a:t>4/3/2025</a:t>
             </a:fld>
             <a:endParaRPr lang="en-US"/>
           </a:p>
@@ -3356,8 +3356,8 @@
           </a:bodyPr>
           <a:lstStyle/>
           <a:p>
-            <a:pPr xmlns:a="http://schemas.openxmlformats.org/drawingml/2006/main" algn="ctr"/>
-            <a:r xmlns:a="http://schemas.openxmlformats.org/drawingml/2006/main">
+            <a:pPr algn="ctr"/>
+            <a:r>
               <a:rPr lang="en" sz="7200" b="1" dirty="0" err="1" smtClean="0">
                 <a:solidFill>
                   <a:srgbClr val="7030A0"/>
@@ -3368,7 +3368,7 @@
               </a:rPr>
               <a:t>Add </a:t>
             </a:r>
-            <a:r xmlns:a="http://schemas.openxmlformats.org/drawingml/2006/main">
+            <a:r>
               <a:rPr lang="en" sz="7200" b="1" dirty="0" smtClean="0">
                 <a:solidFill>
                   <a:srgbClr val="7030A0"/>
@@ -3377,10 +3377,10 @@
                 <a:ea typeface="Verdana" panose="020B0604030504040204" pitchFamily="34" charset="0"/>
                 <a:cs typeface="Segoe UI" panose="020B0502040204020203" pitchFamily="34" charset="0"/>
               </a:rPr>
-              <a:t>the </a:t>
-            </a:r>
-            <a:r xmlns:a="http://schemas.openxmlformats.org/drawingml/2006/main">
-              <a:rPr lang="en" sz="7200" b="1" dirty="0" smtClean="0">
+              <a:t>the Date </a:t>
+            </a:r>
+            <a:r>
+              <a:rPr lang="en" sz="7200" b="1" dirty="0" err="1" smtClean="0">
                 <a:solidFill>
                   <a:srgbClr val="7030A0"/>
                 </a:solidFill>
@@ -3388,10 +3388,13 @@
                 <a:ea typeface="Verdana" panose="020B0604030504040204" pitchFamily="34" charset="0"/>
                 <a:cs typeface="Segoe UI" panose="020B0502040204020203" pitchFamily="34" charset="0"/>
               </a:rPr>
-              <a:t>Date </a:t>
-            </a:r>
-            <a:r xmlns:a="http://schemas.openxmlformats.org/drawingml/2006/main">
-              <a:rPr lang="en" sz="7200" b="1" dirty="0" err="1" smtClean="0">
+              <a:t>dimension</a:t>
+            </a:r>
+          </a:p>
+          <a:p>
+            <a:pPr algn="ctr"/>
+            <a:r>
+              <a:rPr lang="en" sz="7200" b="1" dirty="0">
                 <a:solidFill>
                   <a:srgbClr val="7030A0"/>
                 </a:solidFill>
@@ -3399,13 +3402,10 @@
                 <a:ea typeface="Verdana" panose="020B0604030504040204" pitchFamily="34" charset="0"/>
                 <a:cs typeface="Segoe UI" panose="020B0502040204020203" pitchFamily="34" charset="0"/>
               </a:rPr>
-              <a:t>dimension</a:t>
-            </a:r>
-          </a:p>
-          <a:p>
-            <a:pPr xmlns:a="http://schemas.openxmlformats.org/drawingml/2006/main" algn="ctr"/>
-            <a:r xmlns:a="http://schemas.openxmlformats.org/drawingml/2006/main">
-              <a:rPr lang="en" sz="7200" b="1" dirty="0">
+              <a:t>to </a:t>
+            </a:r>
+            <a:r>
+              <a:rPr lang="en" sz="7200" b="1" dirty="0" smtClean="0">
                 <a:solidFill>
                   <a:srgbClr val="7030A0"/>
                 </a:solidFill>
@@ -3413,20 +3413,9 @@
                 <a:ea typeface="Verdana" panose="020B0604030504040204" pitchFamily="34" charset="0"/>
                 <a:cs typeface="Segoe UI" panose="020B0502040204020203" pitchFamily="34" charset="0"/>
               </a:rPr>
-              <a:t>to </a:t>
-            </a:r>
-            <a:r xmlns:a="http://schemas.openxmlformats.org/drawingml/2006/main">
-              <a:rPr lang="en" sz="7200" b="1" dirty="0" smtClean="0">
-                <a:solidFill>
-                  <a:srgbClr val="7030A0"/>
-                </a:solidFill>
-                <a:latin typeface="Segoe UI" panose="020B0502040204020203" pitchFamily="34" charset="0"/>
-                <a:ea typeface="Verdana" panose="020B0604030504040204" pitchFamily="34" charset="0"/>
-                <a:cs typeface="Segoe UI" panose="020B0502040204020203" pitchFamily="34" charset="0"/>
-              </a:rPr>
               <a:t>the model</a:t>
             </a:r>
-            <a:endParaRPr xmlns:a="http://schemas.openxmlformats.org/drawingml/2006/main" lang="en-US" sz="7200" b="1" dirty="0">
+            <a:endParaRPr lang="en-US" sz="7200" b="1" dirty="0">
               <a:solidFill>
                 <a:srgbClr val="7030A0"/>
               </a:solidFill>
@@ -3459,8 +3448,8 @@
           </a:bodyPr>
           <a:lstStyle/>
           <a:p>
-            <a:pPr xmlns:a="http://schemas.openxmlformats.org/drawingml/2006/main" algn="ctr"/>
-            <a:r xmlns:a="http://schemas.openxmlformats.org/drawingml/2006/main">
+            <a:pPr algn="ctr"/>
+            <a:r>
               <a:rPr lang="en" sz="7200" b="1" dirty="0" err="1" smtClean="0">
                 <a:solidFill>
                   <a:schemeClr val="bg1"/>
@@ -3471,7 +3460,7 @@
               </a:rPr>
               <a:t>Add </a:t>
             </a:r>
-            <a:r xmlns:a="http://schemas.openxmlformats.org/drawingml/2006/main">
+            <a:r>
               <a:rPr lang="en" sz="7200" b="1" dirty="0" smtClean="0">
                 <a:solidFill>
                   <a:schemeClr val="bg1"/>
@@ -3480,10 +3469,10 @@
                 <a:ea typeface="Verdana" panose="020B0604030504040204" pitchFamily="34" charset="0"/>
                 <a:cs typeface="Segoe UI" panose="020B0502040204020203" pitchFamily="34" charset="0"/>
               </a:rPr>
-              <a:t>the </a:t>
-            </a:r>
-            <a:r xmlns:a="http://schemas.openxmlformats.org/drawingml/2006/main">
-              <a:rPr lang="en" sz="7200" b="1" dirty="0" smtClean="0">
+              <a:t>the Date </a:t>
+            </a:r>
+            <a:r>
+              <a:rPr lang="en" sz="7200" b="1" dirty="0" err="1" smtClean="0">
                 <a:solidFill>
                   <a:schemeClr val="bg1"/>
                 </a:solidFill>
@@ -3491,10 +3480,13 @@
                 <a:ea typeface="Verdana" panose="020B0604030504040204" pitchFamily="34" charset="0"/>
                 <a:cs typeface="Segoe UI" panose="020B0502040204020203" pitchFamily="34" charset="0"/>
               </a:rPr>
-              <a:t>Date </a:t>
-            </a:r>
-            <a:r xmlns:a="http://schemas.openxmlformats.org/drawingml/2006/main">
-              <a:rPr lang="en" sz="7200" b="1" dirty="0" err="1" smtClean="0">
+              <a:t>dimension</a:t>
+            </a:r>
+          </a:p>
+          <a:p>
+            <a:pPr algn="ctr"/>
+            <a:r>
+              <a:rPr lang="en" sz="7200" b="1" dirty="0">
                 <a:solidFill>
                   <a:schemeClr val="bg1"/>
                 </a:solidFill>
@@ -3502,23 +3494,9 @@
                 <a:ea typeface="Verdana" panose="020B0604030504040204" pitchFamily="34" charset="0"/>
                 <a:cs typeface="Segoe UI" panose="020B0502040204020203" pitchFamily="34" charset="0"/>
               </a:rPr>
-              <a:t>dimension</a:t>
-            </a:r>
-          </a:p>
-          <a:p>
-            <a:pPr xmlns:a="http://schemas.openxmlformats.org/drawingml/2006/main" algn="ctr"/>
-            <a:r xmlns:a="http://schemas.openxmlformats.org/drawingml/2006/main">
-              <a:rPr lang="en" sz="7200" b="1" dirty="0">
-                <a:solidFill>
-                  <a:schemeClr val="bg1"/>
-                </a:solidFill>
-                <a:latin typeface="Segoe UI" panose="020B0502040204020203" pitchFamily="34" charset="0"/>
-                <a:ea typeface="Verdana" panose="020B0604030504040204" pitchFamily="34" charset="0"/>
-                <a:cs typeface="Segoe UI" panose="020B0502040204020203" pitchFamily="34" charset="0"/>
-              </a:rPr>
               <a:t>to the model</a:t>
             </a:r>
-            <a:endParaRPr xmlns:a="http://schemas.openxmlformats.org/drawingml/2006/main" lang="en-US" sz="7200" b="1" dirty="0">
+            <a:endParaRPr lang="en-US" sz="7200" b="1" dirty="0">
               <a:solidFill>
                 <a:schemeClr val="bg1"/>
               </a:solidFill>
@@ -3592,14 +3570,14 @@
           </a:bodyPr>
           <a:lstStyle/>
           <a:p>
-            <a:r xmlns:a="http://schemas.openxmlformats.org/drawingml/2006/main">
+            <a:r>
               <a:rPr lang="en" sz="2000" b="1" dirty="0" smtClean="0">
                 <a:latin typeface="Segoe UI" panose="020B0502040204020203" pitchFamily="34" charset="0"/>
                 <a:cs typeface="Segoe UI" panose="020B0502040204020203" pitchFamily="34" charset="0"/>
               </a:rPr>
               <a:t>Add the date dimension to the model</a:t>
             </a:r>
-            <a:endParaRPr xmlns:a="http://schemas.openxmlformats.org/drawingml/2006/main" lang="en-US" sz="2000" b="1" dirty="0">
+            <a:endParaRPr lang="en-US" sz="2000" b="1" dirty="0">
               <a:latin typeface="Segoe UI" panose="020B0502040204020203" pitchFamily="34" charset="0"/>
               <a:cs typeface="Segoe UI" panose="020B0502040204020203" pitchFamily="34" charset="0"/>
             </a:endParaRPr>
@@ -3651,39 +3629,35 @@
           </a:bodyPr>
           <a:lstStyle/>
           <a:p>
-            <a:r xmlns:a="http://schemas.openxmlformats.org/drawingml/2006/main">
+            <a:r>
               <a:rPr lang="en" sz="2000" b="1" dirty="0"/>
               <a:t>Note: </a:t>
             </a:r>
-            <a:r xmlns:a="http://schemas.openxmlformats.org/drawingml/2006/main">
+            <a:r>
               <a:rPr lang="en" sz="2000" dirty="0"/>
               <a:t>This </a:t>
             </a:r>
-            <a:r xmlns:a="http://schemas.openxmlformats.org/drawingml/2006/main">
+            <a:r>
               <a:rPr lang="en" sz="2000" dirty="0" smtClean="0"/>
               <a:t>workshop uses the </a:t>
             </a:r>
-            <a:r xmlns:a="http://schemas.openxmlformats.org/drawingml/2006/main">
+            <a:r>
               <a:rPr lang="en" sz="2000" b="1" dirty="0"/>
               <a:t>Sales.xlsx </a:t>
             </a:r>
-            <a:r xmlns:a="http://schemas.openxmlformats.org/drawingml/2006/main">
+            <a:r>
               <a:rPr lang="en" sz="2000" dirty="0"/>
-              <a:t>file </a:t>
-            </a:r>
-            <a:r xmlns:a="http://schemas.openxmlformats.org/drawingml/2006/main">
-              <a:rPr lang="en" sz="2000" dirty="0"/>
-              <a:t>located in the </a:t>
-            </a:r>
-            <a:r xmlns:a="http://schemas.openxmlformats.org/drawingml/2006/main">
+              <a:t>file located in the </a:t>
+            </a:r>
+            <a:r>
               <a:rPr lang="en" sz="2000" b="1" dirty="0" err="1" smtClean="0"/>
               <a:t>Resources </a:t>
             </a:r>
-            <a:r xmlns:a="http://schemas.openxmlformats.org/drawingml/2006/main">
+            <a:r>
               <a:rPr lang="en" sz="2000" b="1" dirty="0" smtClean="0"/>
               <a:t>\Excel Sources folder</a:t>
             </a:r>
-            <a:endParaRPr xmlns:a="http://schemas.openxmlformats.org/drawingml/2006/main" lang="en-US" sz="2000" b="1" dirty="0"/>
+            <a:endParaRPr lang="en-US" sz="2000" b="1" dirty="0"/>
           </a:p>
         </p:txBody>
       </p:sp>
@@ -3708,19 +3682,19 @@
           </a:bodyPr>
           <a:lstStyle/>
           <a:p>
-            <a:r xmlns:a="http://schemas.openxmlformats.org/drawingml/2006/main">
+            <a:r>
               <a:rPr lang="en" sz="2000" dirty="0"/>
               <a:t>Select some dimensions as well as the </a:t>
             </a:r>
-            <a:r xmlns:a="http://schemas.openxmlformats.org/drawingml/2006/main">
+            <a:r>
               <a:rPr lang="en" sz="2000" b="1" dirty="0"/>
               <a:t>"Fact Sales" table </a:t>
             </a:r>
-            <a:r xmlns:a="http://schemas.openxmlformats.org/drawingml/2006/main">
+            <a:r>
               <a:rPr lang="en" sz="2000" dirty="0"/>
               <a:t>.</a:t>
             </a:r>
-            <a:endParaRPr xmlns:a="http://schemas.openxmlformats.org/drawingml/2006/main" lang="en-US" sz="2000" dirty="0"/>
+            <a:endParaRPr lang="en-US" sz="2000" dirty="0"/>
           </a:p>
         </p:txBody>
       </p:sp>
@@ -3776,14 +3750,14 @@
           </a:bodyPr>
           <a:lstStyle/>
           <a:p>
-            <a:r xmlns:a="http://schemas.openxmlformats.org/drawingml/2006/main">
+            <a:r>
               <a:rPr lang="en" sz="2000" b="1" dirty="0" smtClean="0">
                 <a:latin typeface="Segoe UI" panose="020B0502040204020203" pitchFamily="34" charset="0"/>
                 <a:cs typeface="Segoe UI" panose="020B0502040204020203" pitchFamily="34" charset="0"/>
               </a:rPr>
               <a:t>Add the date dimension to the model</a:t>
             </a:r>
-            <a:endParaRPr xmlns:a="http://schemas.openxmlformats.org/drawingml/2006/main" lang="en-US" sz="2000" b="1" dirty="0">
+            <a:endParaRPr lang="en-US" sz="2000" b="1" dirty="0">
               <a:latin typeface="Segoe UI" panose="020B0502040204020203" pitchFamily="34" charset="0"/>
               <a:cs typeface="Segoe UI" panose="020B0502040204020203" pitchFamily="34" charset="0"/>
             </a:endParaRPr>
@@ -3811,11 +3785,11 @@
           </a:bodyPr>
           <a:lstStyle/>
           <a:p>
-            <a:r xmlns:a="http://schemas.openxmlformats.org/drawingml/2006/main">
+            <a:r>
               <a:rPr lang="en" dirty="0"/>
               <a:t>Generate a "Date" dimension table.</a:t>
             </a:r>
-            <a:endParaRPr xmlns:a="http://schemas.openxmlformats.org/drawingml/2006/main" lang="en-US" dirty="0"/>
+            <a:endParaRPr lang="en-US" dirty="0"/>
           </a:p>
         </p:txBody>
       </p:sp>
@@ -3840,7 +3814,7 @@
           </a:bodyPr>
           <a:lstStyle/>
           <a:p>
-            <a:r xmlns:a="http://schemas.openxmlformats.org/drawingml/2006/main">
+            <a:r>
               <a:rPr lang="en" dirty="0">
                 <a:solidFill>
                   <a:srgbClr val="000000"/>
@@ -3851,7 +3825,7 @@
             </a:r>
           </a:p>
           <a:p>
-            <a:r xmlns:a="http://schemas.openxmlformats.org/drawingml/2006/main">
+            <a:r>
               <a:rPr lang="en" dirty="0">
                 <a:solidFill>
                   <a:srgbClr val="0000FF"/>
@@ -3860,7 +3834,7 @@
               </a:rPr>
               <a:t>VAR</a:t>
             </a:r>
-            <a:r xmlns:a="http://schemas.openxmlformats.org/drawingml/2006/main">
+            <a:r>
               <a:rPr lang="en" dirty="0">
                 <a:solidFill>
                   <a:srgbClr val="000000"/>
@@ -3869,7 +3843,7 @@
               </a:rPr>
               <a:t> </a:t>
             </a:r>
-            <a:r xmlns:a="http://schemas.openxmlformats.org/drawingml/2006/main">
+            <a:r>
               <a:rPr lang="en" dirty="0" err="1">
                 <a:solidFill>
                   <a:srgbClr val="008080"/>
@@ -3878,7 +3852,7 @@
               </a:rPr>
               <a:t>MinDate </a:t>
             </a:r>
-            <a:r xmlns:a="http://schemas.openxmlformats.org/drawingml/2006/main">
+            <a:r>
               <a:rPr lang="en" dirty="0">
                 <a:solidFill>
                   <a:srgbClr val="000000"/>
@@ -3887,7 +3861,7 @@
               </a:rPr>
               <a:t>= </a:t>
             </a:r>
-            <a:r xmlns:a="http://schemas.openxmlformats.org/drawingml/2006/main">
+            <a:r>
               <a:rPr lang="en" dirty="0">
                 <a:solidFill>
                   <a:srgbClr val="3165BB"/>
@@ -3896,7 +3870,7 @@
               </a:rPr>
               <a:t>DATE </a:t>
             </a:r>
-            <a:r xmlns:a="http://schemas.openxmlformats.org/drawingml/2006/main">
+            <a:r>
               <a:rPr lang="en" dirty="0">
                 <a:solidFill>
                   <a:srgbClr val="000000"/>
@@ -3905,182 +3879,164 @@
               </a:rPr>
               <a:t>( </a:t>
             </a:r>
-            <a:r xmlns:a="http://schemas.openxmlformats.org/drawingml/2006/main">
+            <a:r>
               <a:rPr lang="en" dirty="0">
                 <a:solidFill>
                   <a:srgbClr val="098658"/>
                 </a:solidFill>
                 <a:latin typeface="Consolas" panose="020B0609020204030204" pitchFamily="49" charset="0"/>
               </a:rPr>
-              <a:t>2018,1,1 </a:t>
-            </a:r>
-            <a:r xmlns:a="http://schemas.openxmlformats.org/drawingml/2006/main">
+              <a:t>2018,1,1 )</a:t>
+            </a:r>
+            <a:r>
+              <a:rPr lang="en" dirty="0">
+                <a:solidFill>
+                  <a:srgbClr val="000000"/>
+                </a:solidFill>
+                <a:latin typeface="Consolas" panose="020B0609020204030204" pitchFamily="49" charset="0"/>
+              </a:rPr>
+              <a:t>​</a:t>
+            </a:r>
+            <a:r>
               <a:rPr lang="en" dirty="0">
                 <a:solidFill>
                   <a:srgbClr val="098658"/>
                 </a:solidFill>
                 <a:latin typeface="Consolas" panose="020B0609020204030204" pitchFamily="49" charset="0"/>
               </a:rPr>
+              <a:t>​</a:t>
+            </a:r>
+            <a:r>
+              <a:rPr lang="en" dirty="0">
+                <a:solidFill>
+                  <a:srgbClr val="000000"/>
+                </a:solidFill>
+                <a:latin typeface="Consolas" panose="020B0609020204030204" pitchFamily="49" charset="0"/>
+              </a:rPr>
+              <a:t>​​</a:t>
+            </a:r>
+          </a:p>
+          <a:p>
+            <a:r>
+              <a:rPr lang="en" dirty="0">
+                <a:solidFill>
+                  <a:srgbClr val="0000FF"/>
+                </a:solidFill>
+                <a:latin typeface="Consolas" panose="020B0609020204030204" pitchFamily="49" charset="0"/>
+              </a:rPr>
+              <a:t>VAR</a:t>
+            </a:r>
+            <a:r>
+              <a:rPr lang="en" dirty="0">
+                <a:solidFill>
+                  <a:srgbClr val="000000"/>
+                </a:solidFill>
+                <a:latin typeface="Consolas" panose="020B0609020204030204" pitchFamily="49" charset="0"/>
+              </a:rPr>
+              <a:t> </a:t>
+            </a:r>
+            <a:r>
+              <a:rPr lang="en" dirty="0" err="1">
+                <a:solidFill>
+                  <a:srgbClr val="008080"/>
+                </a:solidFill>
+                <a:latin typeface="Consolas" panose="020B0609020204030204" pitchFamily="49" charset="0"/>
+              </a:rPr>
+              <a:t>MaxDate </a:t>
+            </a:r>
+            <a:r>
+              <a:rPr lang="en" dirty="0">
+                <a:solidFill>
+                  <a:srgbClr val="000000"/>
+                </a:solidFill>
+                <a:latin typeface="Consolas" panose="020B0609020204030204" pitchFamily="49" charset="0"/>
+              </a:rPr>
+              <a:t>= </a:t>
+            </a:r>
+            <a:r>
+              <a:rPr lang="en" dirty="0">
+                <a:solidFill>
+                  <a:srgbClr val="3165BB"/>
+                </a:solidFill>
+                <a:latin typeface="Consolas" panose="020B0609020204030204" pitchFamily="49" charset="0"/>
+              </a:rPr>
+              <a:t>DATE </a:t>
+            </a:r>
+            <a:r>
+              <a:rPr lang="en" dirty="0">
+                <a:solidFill>
+                  <a:srgbClr val="000000"/>
+                </a:solidFill>
+                <a:latin typeface="Consolas" panose="020B0609020204030204" pitchFamily="49" charset="0"/>
+              </a:rPr>
+              <a:t>( </a:t>
+            </a:r>
+            <a:r>
+              <a:rPr lang="en" dirty="0">
+                <a:solidFill>
+                  <a:srgbClr val="098658"/>
+                </a:solidFill>
+                <a:latin typeface="Consolas" panose="020B0609020204030204" pitchFamily="49" charset="0"/>
+              </a:rPr>
+              <a:t>2021 </a:t>
+            </a:r>
+            <a:r>
+              <a:rPr lang="en" dirty="0">
+                <a:solidFill>
+                  <a:srgbClr val="000000"/>
+                </a:solidFill>
+                <a:latin typeface="Consolas" panose="020B0609020204030204" pitchFamily="49" charset="0"/>
+              </a:rPr>
+              <a:t>, </a:t>
+            </a:r>
+            <a:r>
+              <a:rPr lang="en" dirty="0">
+                <a:solidFill>
+                  <a:srgbClr val="098658"/>
+                </a:solidFill>
+                <a:latin typeface="Consolas" panose="020B0609020204030204" pitchFamily="49" charset="0"/>
+              </a:rPr>
+              <a:t>12 </a:t>
+            </a:r>
+            <a:r>
+              <a:rPr lang="en" dirty="0">
+                <a:solidFill>
+                  <a:srgbClr val="000000"/>
+                </a:solidFill>
+                <a:latin typeface="Consolas" panose="020B0609020204030204" pitchFamily="49" charset="0"/>
+              </a:rPr>
+              <a:t>, </a:t>
+            </a:r>
+            <a:r>
+              <a:rPr lang="en" dirty="0">
+                <a:solidFill>
+                  <a:srgbClr val="098658"/>
+                </a:solidFill>
+                <a:latin typeface="Consolas" panose="020B0609020204030204" pitchFamily="49" charset="0"/>
+              </a:rPr>
+              <a:t>31 </a:t>
+            </a:r>
+            <a:r>
+              <a:rPr lang="en" dirty="0">
+                <a:solidFill>
+                  <a:srgbClr val="000000"/>
+                </a:solidFill>
+                <a:latin typeface="Consolas" panose="020B0609020204030204" pitchFamily="49" charset="0"/>
+              </a:rPr>
               <a:t>)</a:t>
             </a:r>
-            <a:r xmlns:a="http://schemas.openxmlformats.org/drawingml/2006/main">
-              <a:rPr lang="en" dirty="0">
-                <a:solidFill>
-                  <a:srgbClr val="000000"/>
-                </a:solidFill>
-                <a:latin typeface="Consolas" panose="020B0609020204030204" pitchFamily="49" charset="0"/>
-              </a:rPr>
-              <a:t>​</a:t>
-            </a:r>
-            <a:r xmlns:a="http://schemas.openxmlformats.org/drawingml/2006/main">
-              <a:rPr lang="en" dirty="0">
-                <a:solidFill>
-                  <a:srgbClr val="098658"/>
-                </a:solidFill>
-                <a:latin typeface="Consolas" panose="020B0609020204030204" pitchFamily="49" charset="0"/>
-              </a:rPr>
-              <a:t>​</a:t>
-            </a:r>
-            <a:r xmlns:a="http://schemas.openxmlformats.org/drawingml/2006/main">
-              <a:rPr lang="en" dirty="0">
-                <a:solidFill>
-                  <a:srgbClr val="000000"/>
-                </a:solidFill>
-                <a:latin typeface="Consolas" panose="020B0609020204030204" pitchFamily="49" charset="0"/>
-              </a:rPr>
-              <a:t>​</a:t>
-            </a:r>
-            <a:r xmlns:a="http://schemas.openxmlformats.org/drawingml/2006/main">
-              <a:rPr lang="en" dirty="0">
-                <a:solidFill>
-                  <a:srgbClr val="000000"/>
-                </a:solidFill>
-                <a:latin typeface="Consolas" panose="020B0609020204030204" pitchFamily="49" charset="0"/>
-              </a:rPr>
-              <a:t>​</a:t>
-            </a:r>
-          </a:p>
-          <a:p>
-            <a:r xmlns:a="http://schemas.openxmlformats.org/drawingml/2006/main">
+          </a:p>
+          <a:p>
+            <a:r>
               <a:rPr lang="en" dirty="0">
                 <a:solidFill>
                   <a:srgbClr val="0000FF"/>
                 </a:solidFill>
                 <a:latin typeface="Consolas" panose="020B0609020204030204" pitchFamily="49" charset="0"/>
               </a:rPr>
-              <a:t>VAR</a:t>
-            </a:r>
-            <a:r xmlns:a="http://schemas.openxmlformats.org/drawingml/2006/main">
-              <a:rPr lang="en" dirty="0">
-                <a:solidFill>
-                  <a:srgbClr val="000000"/>
-                </a:solidFill>
-                <a:latin typeface="Consolas" panose="020B0609020204030204" pitchFamily="49" charset="0"/>
-              </a:rPr>
-              <a:t> </a:t>
-            </a:r>
-            <a:r xmlns:a="http://schemas.openxmlformats.org/drawingml/2006/main">
-              <a:rPr lang="en" dirty="0" err="1">
-                <a:solidFill>
-                  <a:srgbClr val="008080"/>
-                </a:solidFill>
-                <a:latin typeface="Consolas" panose="020B0609020204030204" pitchFamily="49" charset="0"/>
-              </a:rPr>
-              <a:t>MaxDate </a:t>
-            </a:r>
-            <a:r xmlns:a="http://schemas.openxmlformats.org/drawingml/2006/main">
-              <a:rPr lang="en" dirty="0">
-                <a:solidFill>
-                  <a:srgbClr val="000000"/>
-                </a:solidFill>
-                <a:latin typeface="Consolas" panose="020B0609020204030204" pitchFamily="49" charset="0"/>
-              </a:rPr>
-              <a:t>= </a:t>
-            </a:r>
-            <a:r xmlns:a="http://schemas.openxmlformats.org/drawingml/2006/main">
-              <a:rPr lang="en" dirty="0">
-                <a:solidFill>
-                  <a:srgbClr val="3165BB"/>
-                </a:solidFill>
-                <a:latin typeface="Consolas" panose="020B0609020204030204" pitchFamily="49" charset="0"/>
-              </a:rPr>
-              <a:t>DATE </a:t>
-            </a:r>
-            <a:r xmlns:a="http://schemas.openxmlformats.org/drawingml/2006/main">
-              <a:rPr lang="en" dirty="0">
-                <a:solidFill>
-                  <a:srgbClr val="000000"/>
-                </a:solidFill>
-                <a:latin typeface="Consolas" panose="020B0609020204030204" pitchFamily="49" charset="0"/>
-              </a:rPr>
-              <a:t>( </a:t>
-            </a:r>
-            <a:r xmlns:a="http://schemas.openxmlformats.org/drawingml/2006/main">
-              <a:rPr lang="en" dirty="0">
-                <a:solidFill>
-                  <a:srgbClr val="098658"/>
-                </a:solidFill>
-                <a:latin typeface="Consolas" panose="020B0609020204030204" pitchFamily="49" charset="0"/>
-              </a:rPr>
-              <a:t>2021 </a:t>
-            </a:r>
-            <a:r xmlns:a="http://schemas.openxmlformats.org/drawingml/2006/main">
-              <a:rPr lang="en" dirty="0">
-                <a:solidFill>
-                  <a:srgbClr val="000000"/>
-                </a:solidFill>
-                <a:latin typeface="Consolas" panose="020B0609020204030204" pitchFamily="49" charset="0"/>
-              </a:rPr>
-              <a:t>, </a:t>
-            </a:r>
-            <a:r xmlns:a="http://schemas.openxmlformats.org/drawingml/2006/main">
-              <a:rPr lang="en" dirty="0">
-                <a:solidFill>
-                  <a:srgbClr val="098658"/>
-                </a:solidFill>
-                <a:latin typeface="Consolas" panose="020B0609020204030204" pitchFamily="49" charset="0"/>
-              </a:rPr>
-              <a:t>12 </a:t>
-            </a:r>
-            <a:r xmlns:a="http://schemas.openxmlformats.org/drawingml/2006/main">
-              <a:rPr lang="en" dirty="0">
-                <a:solidFill>
-                  <a:srgbClr val="000000"/>
-                </a:solidFill>
-                <a:latin typeface="Consolas" panose="020B0609020204030204" pitchFamily="49" charset="0"/>
-              </a:rPr>
-              <a:t>, </a:t>
-            </a:r>
-            <a:r xmlns:a="http://schemas.openxmlformats.org/drawingml/2006/main">
-              <a:rPr lang="en" dirty="0">
-                <a:solidFill>
-                  <a:srgbClr val="098658"/>
-                </a:solidFill>
-                <a:latin typeface="Consolas" panose="020B0609020204030204" pitchFamily="49" charset="0"/>
-              </a:rPr>
-              <a:t>31 </a:t>
-            </a:r>
-            <a:r xmlns:a="http://schemas.openxmlformats.org/drawingml/2006/main">
-              <a:rPr lang="en" dirty="0">
-                <a:solidFill>
-                  <a:srgbClr val="000000"/>
-                </a:solidFill>
-                <a:latin typeface="Consolas" panose="020B0609020204030204" pitchFamily="49" charset="0"/>
-              </a:rPr>
-              <a:t>)</a:t>
-            </a:r>
-          </a:p>
-          <a:p>
-            <a:r xmlns:a="http://schemas.openxmlformats.org/drawingml/2006/main">
-              <a:rPr lang="en" dirty="0">
-                <a:solidFill>
-                  <a:srgbClr val="0000FF"/>
-                </a:solidFill>
-                <a:latin typeface="Consolas" panose="020B0609020204030204" pitchFamily="49" charset="0"/>
-              </a:rPr>
               <a:t>RETURN</a:t>
             </a:r>
-            <a:endParaRPr xmlns:a="http://schemas.openxmlformats.org/drawingml/2006/main" lang="en-US" dirty="0">
+            <a:endParaRPr lang="en-US" dirty="0">
               <a:solidFill>
                 <a:srgbClr val="000000"/>
               </a:solidFill>
@@ -4088,7 +4044,7 @@
             </a:endParaRPr>
           </a:p>
           <a:p>
-            <a:r xmlns:a="http://schemas.openxmlformats.org/drawingml/2006/main">
+            <a:r>
               <a:rPr lang="en" dirty="0">
                 <a:solidFill>
                   <a:srgbClr val="3165BB"/>
@@ -4097,7 +4053,7 @@
               </a:rPr>
               <a:t>ADDCOLUMNS </a:t>
             </a:r>
-            <a:r xmlns:a="http://schemas.openxmlformats.org/drawingml/2006/main">
+            <a:r>
               <a:rPr lang="en" dirty="0">
                 <a:solidFill>
                   <a:srgbClr val="000000"/>
@@ -4108,7 +4064,7 @@
             </a:r>
           </a:p>
           <a:p>
-            <a:r xmlns:a="http://schemas.openxmlformats.org/drawingml/2006/main">
+            <a:r>
               <a:rPr lang="en" dirty="0">
                 <a:solidFill>
                   <a:srgbClr val="000000"/>
@@ -4117,7 +4073,7 @@
               </a:rPr>
               <a:t>    </a:t>
             </a:r>
-            <a:r xmlns:a="http://schemas.openxmlformats.org/drawingml/2006/main">
+            <a:r>
               <a:rPr lang="en" dirty="0">
                 <a:solidFill>
                   <a:srgbClr val="3165BB"/>
@@ -4126,7 +4082,7 @@
               </a:rPr>
               <a:t>CALENDAR </a:t>
             </a:r>
-            <a:r xmlns:a="http://schemas.openxmlformats.org/drawingml/2006/main">
+            <a:r>
               <a:rPr lang="en" dirty="0">
                 <a:solidFill>
                   <a:srgbClr val="000000"/>
@@ -4135,7 +4091,7 @@
               </a:rPr>
               <a:t>( </a:t>
             </a:r>
-            <a:r xmlns:a="http://schemas.openxmlformats.org/drawingml/2006/main">
+            <a:r>
               <a:rPr lang="en" dirty="0" err="1">
                 <a:solidFill>
                   <a:srgbClr val="008080"/>
@@ -4144,7 +4100,7 @@
               </a:rPr>
               <a:t>MinDate </a:t>
             </a:r>
-            <a:r xmlns:a="http://schemas.openxmlformats.org/drawingml/2006/main">
+            <a:r>
               <a:rPr lang="en" dirty="0">
                 <a:solidFill>
                   <a:srgbClr val="000000"/>
@@ -4153,7 +4109,7 @@
               </a:rPr>
               <a:t>, </a:t>
             </a:r>
-            <a:r xmlns:a="http://schemas.openxmlformats.org/drawingml/2006/main">
+            <a:r>
               <a:rPr lang="en" dirty="0" err="1">
                 <a:solidFill>
                   <a:srgbClr val="008080"/>
@@ -4162,7 +4118,7 @@
               </a:rPr>
               <a:t>MaxDate </a:t>
             </a:r>
-            <a:r xmlns:a="http://schemas.openxmlformats.org/drawingml/2006/main">
+            <a:r>
               <a:rPr lang="en" dirty="0">
                 <a:solidFill>
                   <a:srgbClr val="000000"/>
@@ -4173,7 +4129,7 @@
             </a:r>
           </a:p>
           <a:p>
-            <a:r xmlns:a="http://schemas.openxmlformats.org/drawingml/2006/main">
+            <a:r>
               <a:rPr lang="en" dirty="0">
                 <a:solidFill>
                   <a:srgbClr val="000000"/>
@@ -4182,7 +4138,7 @@
               </a:rPr>
               <a:t>    </a:t>
             </a:r>
-            <a:r xmlns:a="http://schemas.openxmlformats.org/drawingml/2006/main">
+            <a:r>
               <a:rPr lang="en" dirty="0">
                 <a:solidFill>
                   <a:srgbClr val="A31515"/>
@@ -4191,7 +4147,7 @@
               </a:rPr>
               <a:t>“Calendar Year” </a:t>
             </a:r>
-            <a:r xmlns:a="http://schemas.openxmlformats.org/drawingml/2006/main">
+            <a:r>
               <a:rPr lang="en" dirty="0">
                 <a:solidFill>
                   <a:srgbClr val="000000"/>
@@ -4200,7 +4156,7 @@
               </a:rPr>
               <a:t>, </a:t>
             </a:r>
-            <a:r xmlns:a="http://schemas.openxmlformats.org/drawingml/2006/main">
+            <a:r>
               <a:rPr lang="en" dirty="0">
                 <a:solidFill>
                   <a:srgbClr val="A31515"/>
@@ -4209,7 +4165,7 @@
               </a:rPr>
               <a:t>“CY” </a:t>
             </a:r>
-            <a:r xmlns:a="http://schemas.openxmlformats.org/drawingml/2006/main">
+            <a:r>
               <a:rPr lang="en" dirty="0">
                 <a:solidFill>
                   <a:srgbClr val="000000"/>
@@ -4218,7 +4174,7 @@
               </a:rPr>
               <a:t>&amp; </a:t>
             </a:r>
-            <a:r xmlns:a="http://schemas.openxmlformats.org/drawingml/2006/main">
+            <a:r>
               <a:rPr lang="en" dirty="0">
                 <a:solidFill>
                   <a:srgbClr val="3165BB"/>
@@ -4227,7 +4183,7 @@
               </a:rPr>
               <a:t>FORMAT </a:t>
             </a:r>
-            <a:r xmlns:a="http://schemas.openxmlformats.org/drawingml/2006/main">
+            <a:r>
               <a:rPr lang="en" dirty="0">
                 <a:solidFill>
                   <a:srgbClr val="000000"/>
@@ -4236,7 +4192,7 @@
               </a:rPr>
               <a:t>( </a:t>
             </a:r>
-            <a:r xmlns:a="http://schemas.openxmlformats.org/drawingml/2006/main">
+            <a:r>
               <a:rPr lang="en" dirty="0">
                 <a:solidFill>
                   <a:srgbClr val="001080"/>
@@ -4245,7 +4201,7 @@
               </a:rPr>
               <a:t>[Date] </a:t>
             </a:r>
-            <a:r xmlns:a="http://schemas.openxmlformats.org/drawingml/2006/main">
+            <a:r>
               <a:rPr lang="en" dirty="0">
                 <a:solidFill>
                   <a:srgbClr val="000000"/>
@@ -4254,7 +4210,7 @@
               </a:rPr>
               <a:t>, </a:t>
             </a:r>
-            <a:r xmlns:a="http://schemas.openxmlformats.org/drawingml/2006/main">
+            <a:r>
               <a:rPr lang="en" dirty="0">
                 <a:solidFill>
                   <a:srgbClr val="A31515"/>
@@ -4263,7 +4219,7 @@
               </a:rPr>
               <a:t>“YYYY” </a:t>
             </a:r>
-            <a:r xmlns:a="http://schemas.openxmlformats.org/drawingml/2006/main">
+            <a:r>
               <a:rPr lang="en" dirty="0">
                 <a:solidFill>
                   <a:srgbClr val="000000"/>
@@ -4274,7 +4230,7 @@
             </a:r>
           </a:p>
           <a:p>
-            <a:r xmlns:a="http://schemas.openxmlformats.org/drawingml/2006/main">
+            <a:r>
               <a:rPr lang="en" dirty="0">
                 <a:solidFill>
                   <a:srgbClr val="000000"/>
@@ -4283,7 +4239,7 @@
               </a:rPr>
               <a:t>    </a:t>
             </a:r>
-            <a:r xmlns:a="http://schemas.openxmlformats.org/drawingml/2006/main">
+            <a:r>
               <a:rPr lang="en" dirty="0">
                 <a:solidFill>
                   <a:srgbClr val="A31515"/>
@@ -4292,7 +4248,7 @@
               </a:rPr>
               <a:t>"Month Name" </a:t>
             </a:r>
-            <a:r xmlns:a="http://schemas.openxmlformats.org/drawingml/2006/main">
+            <a:r>
               <a:rPr lang="en" dirty="0">
                 <a:solidFill>
                   <a:srgbClr val="000000"/>
@@ -4301,7 +4257,7 @@
               </a:rPr>
               <a:t>, </a:t>
             </a:r>
-            <a:r xmlns:a="http://schemas.openxmlformats.org/drawingml/2006/main">
+            <a:r>
               <a:rPr lang="en" dirty="0">
                 <a:solidFill>
                   <a:srgbClr val="3165BB"/>
@@ -4310,7 +4266,7 @@
               </a:rPr>
               <a:t>FORMAT </a:t>
             </a:r>
-            <a:r xmlns:a="http://schemas.openxmlformats.org/drawingml/2006/main">
+            <a:r>
               <a:rPr lang="en" dirty="0">
                 <a:solidFill>
                   <a:srgbClr val="000000"/>
@@ -4319,7 +4275,7 @@
               </a:rPr>
               <a:t>( </a:t>
             </a:r>
-            <a:r xmlns:a="http://schemas.openxmlformats.org/drawingml/2006/main">
+            <a:r>
               <a:rPr lang="en" dirty="0">
                 <a:solidFill>
                   <a:srgbClr val="001080"/>
@@ -4328,7 +4284,7 @@
               </a:rPr>
               <a:t>[Date] </a:t>
             </a:r>
-            <a:r xmlns:a="http://schemas.openxmlformats.org/drawingml/2006/main">
+            <a:r>
               <a:rPr lang="en" dirty="0">
                 <a:solidFill>
                   <a:srgbClr val="000000"/>
@@ -4337,7 +4293,7 @@
               </a:rPr>
               <a:t>, </a:t>
             </a:r>
-            <a:r xmlns:a="http://schemas.openxmlformats.org/drawingml/2006/main">
+            <a:r>
               <a:rPr lang="en" dirty="0">
                 <a:solidFill>
                   <a:srgbClr val="A31515"/>
@@ -4346,7 +4302,7 @@
               </a:rPr>
               <a:t>"MMMM" </a:t>
             </a:r>
-            <a:r xmlns:a="http://schemas.openxmlformats.org/drawingml/2006/main">
+            <a:r>
               <a:rPr lang="en" dirty="0">
                 <a:solidFill>
                   <a:srgbClr val="000000"/>
@@ -4357,7 +4313,7 @@
             </a:r>
           </a:p>
           <a:p>
-            <a:r xmlns:a="http://schemas.openxmlformats.org/drawingml/2006/main">
+            <a:r>
               <a:rPr lang="en" dirty="0">
                 <a:solidFill>
                   <a:srgbClr val="000000"/>
@@ -4366,7 +4322,7 @@
               </a:rPr>
               <a:t>    </a:t>
             </a:r>
-            <a:r xmlns:a="http://schemas.openxmlformats.org/drawingml/2006/main">
+            <a:r>
               <a:rPr lang="en" dirty="0">
                 <a:solidFill>
                   <a:srgbClr val="A31515"/>
@@ -4375,7 +4331,7 @@
               </a:rPr>
               <a:t>"Month Number" </a:t>
             </a:r>
-            <a:r xmlns:a="http://schemas.openxmlformats.org/drawingml/2006/main">
+            <a:r>
               <a:rPr lang="en" dirty="0">
                 <a:solidFill>
                   <a:srgbClr val="000000"/>
@@ -4384,7 +4340,7 @@
               </a:rPr>
               <a:t>, </a:t>
             </a:r>
-            <a:r xmlns:a="http://schemas.openxmlformats.org/drawingml/2006/main">
+            <a:r>
               <a:rPr lang="en" dirty="0">
                 <a:solidFill>
                   <a:srgbClr val="3165BB"/>
@@ -4393,7 +4349,7 @@
               </a:rPr>
               <a:t>FORMAT </a:t>
             </a:r>
-            <a:r xmlns:a="http://schemas.openxmlformats.org/drawingml/2006/main">
+            <a:r>
               <a:rPr lang="en" dirty="0">
                 <a:solidFill>
                   <a:srgbClr val="000000"/>
@@ -4402,7 +4358,7 @@
               </a:rPr>
               <a:t>( </a:t>
             </a:r>
-            <a:r xmlns:a="http://schemas.openxmlformats.org/drawingml/2006/main">
+            <a:r>
               <a:rPr lang="en" dirty="0">
                 <a:solidFill>
                   <a:srgbClr val="001080"/>
@@ -4411,7 +4367,7 @@
               </a:rPr>
               <a:t>[Date] </a:t>
             </a:r>
-            <a:r xmlns:a="http://schemas.openxmlformats.org/drawingml/2006/main">
+            <a:r>
               <a:rPr lang="en" dirty="0">
                 <a:solidFill>
                   <a:srgbClr val="000000"/>
@@ -4420,7 +4376,7 @@
               </a:rPr>
               <a:t>, </a:t>
             </a:r>
-            <a:r xmlns:a="http://schemas.openxmlformats.org/drawingml/2006/main">
+            <a:r>
               <a:rPr lang="en" dirty="0">
                 <a:solidFill>
                   <a:srgbClr val="A31515"/>
@@ -4429,7 +4385,7 @@
               </a:rPr>
               <a:t>"MM" </a:t>
             </a:r>
-            <a:r xmlns:a="http://schemas.openxmlformats.org/drawingml/2006/main">
+            <a:r>
               <a:rPr lang="en" dirty="0">
                 <a:solidFill>
                   <a:srgbClr val="000000"/>
@@ -4440,7 +4396,7 @@
             </a:r>
           </a:p>
           <a:p>
-            <a:r xmlns:a="http://schemas.openxmlformats.org/drawingml/2006/main">
+            <a:r>
               <a:rPr lang="en" dirty="0">
                 <a:solidFill>
                   <a:srgbClr val="000000"/>
@@ -4449,7 +4405,7 @@
               </a:rPr>
               <a:t>    </a:t>
             </a:r>
-            <a:r xmlns:a="http://schemas.openxmlformats.org/drawingml/2006/main">
+            <a:r>
               <a:rPr lang="en" dirty="0">
                 <a:solidFill>
                   <a:srgbClr val="A31515"/>
@@ -4458,7 +4414,7 @@
               </a:rPr>
               <a:t>"Date Key" </a:t>
             </a:r>
-            <a:r xmlns:a="http://schemas.openxmlformats.org/drawingml/2006/main">
+            <a:r>
               <a:rPr lang="en" dirty="0">
                 <a:solidFill>
                   <a:srgbClr val="000000"/>
@@ -4467,7 +4423,7 @@
               </a:rPr>
               <a:t>, </a:t>
             </a:r>
-            <a:r xmlns:a="http://schemas.openxmlformats.org/drawingml/2006/main">
+            <a:r>
               <a:rPr lang="en" dirty="0">
                 <a:solidFill>
                   <a:srgbClr val="3165BB"/>
@@ -4476,7 +4432,7 @@
               </a:rPr>
               <a:t>YEAR </a:t>
             </a:r>
-            <a:r xmlns:a="http://schemas.openxmlformats.org/drawingml/2006/main">
+            <a:r>
               <a:rPr lang="en" dirty="0">
                 <a:solidFill>
                   <a:srgbClr val="000000"/>
@@ -4485,7 +4441,7 @@
               </a:rPr>
               <a:t>( </a:t>
             </a:r>
-            <a:r xmlns:a="http://schemas.openxmlformats.org/drawingml/2006/main">
+            <a:r>
               <a:rPr lang="en" dirty="0">
                 <a:solidFill>
                   <a:srgbClr val="001080"/>
@@ -4494,7 +4450,7 @@
               </a:rPr>
               <a:t>[Date] </a:t>
             </a:r>
-            <a:r xmlns:a="http://schemas.openxmlformats.org/drawingml/2006/main">
+            <a:r>
               <a:rPr lang="en" dirty="0">
                 <a:solidFill>
                   <a:srgbClr val="000000"/>
@@ -4503,7 +4459,7 @@
               </a:rPr>
               <a:t>) * </a:t>
             </a:r>
-            <a:r xmlns:a="http://schemas.openxmlformats.org/drawingml/2006/main">
+            <a:r>
               <a:rPr lang="en" dirty="0">
                 <a:solidFill>
                   <a:srgbClr val="098658"/>
@@ -4512,7 +4468,7 @@
               </a:rPr>
               <a:t>10000 </a:t>
             </a:r>
-            <a:r xmlns:a="http://schemas.openxmlformats.org/drawingml/2006/main">
+            <a:r>
               <a:rPr lang="en" dirty="0">
                 <a:solidFill>
                   <a:srgbClr val="000000"/>
@@ -4521,7 +4477,7 @@
               </a:rPr>
               <a:t>+ </a:t>
             </a:r>
-            <a:r xmlns:a="http://schemas.openxmlformats.org/drawingml/2006/main">
+            <a:r>
               <a:rPr lang="en" dirty="0">
                 <a:solidFill>
                   <a:srgbClr val="3165BB"/>
@@ -4530,7 +4486,7 @@
               </a:rPr>
               <a:t>MONTH </a:t>
             </a:r>
-            <a:r xmlns:a="http://schemas.openxmlformats.org/drawingml/2006/main">
+            <a:r>
               <a:rPr lang="en" dirty="0">
                 <a:solidFill>
                   <a:srgbClr val="000000"/>
@@ -4539,7 +4495,7 @@
               </a:rPr>
               <a:t>( </a:t>
             </a:r>
-            <a:r xmlns:a="http://schemas.openxmlformats.org/drawingml/2006/main">
+            <a:r>
               <a:rPr lang="en" dirty="0">
                 <a:solidFill>
                   <a:srgbClr val="001080"/>
@@ -4548,7 +4504,7 @@
               </a:rPr>
               <a:t>[Date] </a:t>
             </a:r>
-            <a:r xmlns:a="http://schemas.openxmlformats.org/drawingml/2006/main">
+            <a:r>
               <a:rPr lang="en" dirty="0">
                 <a:solidFill>
                   <a:srgbClr val="000000"/>
@@ -4557,7 +4513,7 @@
               </a:rPr>
               <a:t>) * </a:t>
             </a:r>
-            <a:r xmlns:a="http://schemas.openxmlformats.org/drawingml/2006/main">
+            <a:r>
               <a:rPr lang="en" dirty="0">
                 <a:solidFill>
                   <a:srgbClr val="098658"/>
@@ -4566,7 +4522,7 @@
               </a:rPr>
               <a:t>100 </a:t>
             </a:r>
-            <a:r xmlns:a="http://schemas.openxmlformats.org/drawingml/2006/main">
+            <a:r>
               <a:rPr lang="en" dirty="0">
                 <a:solidFill>
                   <a:srgbClr val="000000"/>
@@ -4575,7 +4531,7 @@
               </a:rPr>
               <a:t>+ </a:t>
             </a:r>
-            <a:r xmlns:a="http://schemas.openxmlformats.org/drawingml/2006/main">
+            <a:r>
               <a:rPr lang="en" dirty="0">
                 <a:solidFill>
                   <a:srgbClr val="3165BB"/>
@@ -4584,7 +4540,7 @@
               </a:rPr>
               <a:t>DAY </a:t>
             </a:r>
-            <a:r xmlns:a="http://schemas.openxmlformats.org/drawingml/2006/main">
+            <a:r>
               <a:rPr lang="en" dirty="0">
                 <a:solidFill>
                   <a:srgbClr val="000000"/>
@@ -4593,7 +4549,7 @@
               </a:rPr>
               <a:t>( </a:t>
             </a:r>
-            <a:r xmlns:a="http://schemas.openxmlformats.org/drawingml/2006/main">
+            <a:r>
               <a:rPr lang="en" dirty="0">
                 <a:solidFill>
                   <a:srgbClr val="001080"/>
@@ -4602,7 +4558,7 @@
               </a:rPr>
               <a:t>[Date] </a:t>
             </a:r>
-            <a:r xmlns:a="http://schemas.openxmlformats.org/drawingml/2006/main">
+            <a:r>
               <a:rPr lang="en" dirty="0">
                 <a:solidFill>
                   <a:srgbClr val="000000"/>
@@ -4613,7 +4569,7 @@
             </a:r>
           </a:p>
           <a:p>
-            <a:r xmlns:a="http://schemas.openxmlformats.org/drawingml/2006/main">
+            <a:r>
               <a:rPr lang="en" dirty="0">
                 <a:solidFill>
                   <a:srgbClr val="000000"/>
@@ -4622,7 +4578,7 @@
               </a:rPr>
               <a:t>)</a:t>
             </a:r>
-            <a:endParaRPr xmlns:a="http://schemas.openxmlformats.org/drawingml/2006/main" lang="en-US" b="0" dirty="0">
+            <a:endParaRPr lang="en-US" b="0" dirty="0">
               <a:solidFill>
                 <a:srgbClr val="000000"/>
               </a:solidFill>
@@ -4684,14 +4640,14 @@
           </a:bodyPr>
           <a:lstStyle/>
           <a:p>
-            <a:r xmlns:a="http://schemas.openxmlformats.org/drawingml/2006/main">
+            <a:r>
               <a:rPr lang="en" sz="2000" b="1" dirty="0" smtClean="0">
                 <a:latin typeface="Segoe UI" panose="020B0502040204020203" pitchFamily="34" charset="0"/>
                 <a:cs typeface="Segoe UI" panose="020B0502040204020203" pitchFamily="34" charset="0"/>
               </a:rPr>
               <a:t>Add the date dimension to the model</a:t>
             </a:r>
-            <a:endParaRPr xmlns:a="http://schemas.openxmlformats.org/drawingml/2006/main" lang="en-US" sz="2000" b="1" dirty="0">
+            <a:endParaRPr lang="en-US" sz="2000" b="1" dirty="0">
               <a:latin typeface="Segoe UI" panose="020B0502040204020203" pitchFamily="34" charset="0"/>
               <a:cs typeface="Segoe UI" panose="020B0502040204020203" pitchFamily="34" charset="0"/>
             </a:endParaRPr>
@@ -4719,7 +4675,7 @@
           </a:bodyPr>
           <a:lstStyle/>
           <a:p>
-            <a:pPr xmlns:a="http://schemas.openxmlformats.org/drawingml/2006/main" lvl="0">
+            <a:pPr lvl="0">
               <a:lnSpc>
                 <a:spcPct val="107000"/>
               </a:lnSpc>
@@ -4727,76 +4683,36 @@
                 <a:spcPts val="800"/>
               </a:spcAft>
             </a:pPr>
-            <a:r xmlns:a="http://schemas.openxmlformats.org/drawingml/2006/main">
+            <a:r>
               <a:rPr lang="en" sz="2000" dirty="0"/>
               <a:t>Switch to Model </a:t>
             </a:r>
-            <a:r xmlns:a="http://schemas.openxmlformats.org/drawingml/2006/main">
+            <a:r>
               <a:rPr lang="en" sz="2000" b="1" dirty="0"/>
               <a:t>View </a:t>
             </a:r>
-            <a:r xmlns:a="http://schemas.openxmlformats.org/drawingml/2006/main">
+            <a:r>
               <a:rPr lang="en" sz="2000" b="1" i="1" dirty="0" err="1" smtClean="0"/>
               <a:t>and </a:t>
             </a:r>
-            <a:r xmlns:a="http://schemas.openxmlformats.org/drawingml/2006/main">
+            <a:r>
               <a:rPr lang="en" sz="2000" b="1" dirty="0" smtClean="0"/>
               <a:t>drag </a:t>
             </a:r>
-            <a:r xmlns:a="http://schemas.openxmlformats.org/drawingml/2006/main">
+            <a:r>
               <a:rPr lang="en" sz="2000" dirty="0" smtClean="0"/>
               <a:t>and </a:t>
             </a:r>
-            <a:r xmlns:a="http://schemas.openxmlformats.org/drawingml/2006/main">
+            <a:r>
               <a:rPr lang="en" sz="2000" dirty="0"/>
               <a:t>drop </a:t>
             </a:r>
-            <a:endParaRPr xmlns:a="http://schemas.openxmlformats.org/drawingml/2006/main" lang="en-US" sz="2000" b="1" dirty="0">
+            <a:endParaRPr lang="en-US" sz="2000" b="1" dirty="0">
               <a:effectLst/>
               <a:latin typeface="Segoe UI" panose="020B0502040204020203" pitchFamily="34" charset="0"/>
               <a:ea typeface="Calibri" panose="020F0502020204030204" pitchFamily="34" charset="0"/>
               <a:cs typeface="Segoe UI" panose="020B0502040204020203" pitchFamily="34" charset="0"/>
             </a:endParaRPr>
-            <a:r xmlns:a="http://schemas.openxmlformats.org/drawingml/2006/main">
-              <a:rPr lang="en" sz="2000" dirty="0"/>
-              <a:t>DimDate </a:t>
-            </a:r>
-            <a:r xmlns:a="http://schemas.openxmlformats.org/drawingml/2006/main">
-              <a:rPr lang="en" sz="2000" b="1" dirty="0" err="1"/>
-              <a:t>[ </a:t>
-            </a:r>
-            <a:r xmlns:a="http://schemas.openxmlformats.org/drawingml/2006/main">
-              <a:rPr lang="en" sz="2000" b="1" dirty="0"/>
-              <a:t>DateKey </a:t>
-            </a:r>
-            <a:r xmlns:a="http://schemas.openxmlformats.org/drawingml/2006/main">
-              <a:rPr lang="en" sz="2000" b="1" dirty="0" err="1"/>
-              <a:t>] </a:t>
-            </a:r>
-            <a:r xmlns:a="http://schemas.openxmlformats.org/drawingml/2006/main">
-              <a:rPr lang="en" sz="2000" b="1" i="1" dirty="0"/>
-              <a:t>to </a:t>
-            </a:r>
-            <a:r xmlns:a="http://schemas.openxmlformats.org/drawingml/2006/main">
-              <a:rPr lang="en" sz="2000" dirty="0"/>
-              <a:t>FactSales </a:t>
-            </a:r>
-            <a:r xmlns:a="http://schemas.openxmlformats.org/drawingml/2006/main">
-              <a:rPr lang="en" sz="2000" b="1" dirty="0"/>
-              <a:t>[ </a:t>
-            </a:r>
-            <a:r xmlns:a="http://schemas.openxmlformats.org/drawingml/2006/main">
-              <a:rPr lang="en" sz="2000" b="1" dirty="0" err="1"/>
-              <a:t>DateKey </a:t>
-            </a:r>
-            <a:r xmlns:a="http://schemas.openxmlformats.org/drawingml/2006/main">
-              <a:rPr lang="en" sz="2000" b="1" dirty="0"/>
-              <a:t>] </a:t>
-            </a:r>
-            <a:r xmlns:a="http://schemas.openxmlformats.org/drawingml/2006/main">
-              <a:rPr lang="en" sz="2000" b="1" dirty="0"/>
-              <a:t>.</a:t>
-            </a:r>
           </a:p>
         </p:txBody>
       </p:sp>
@@ -4919,8 +4835,8 @@
         </p:nvSpPr>
         <p:spPr>
           <a:xfrm>
-            <a:off x="4023104" y="2629946"/>
-            <a:ext cx="3456395" cy="1569660"/>
+            <a:off x="2902448" y="2671197"/>
+            <a:ext cx="6230360" cy="1569660"/>
           </a:xfrm>
           <a:prstGeom prst="rect">
             <a:avLst/>
@@ -4933,8 +4849,8 @@
           </a:bodyPr>
           <a:lstStyle/>
           <a:p>
-            <a:r xmlns:a="http://schemas.openxmlformats.org/drawingml/2006/main">
-              <a:rPr lang="en" sz="9600" b="1" dirty="0" smtClean="0">
+            <a:r>
+              <a:rPr lang="en-US" sz="9600" b="1" dirty="0" smtClean="0">
                 <a:solidFill>
                   <a:srgbClr val="7030A0"/>
                 </a:solidFill>
@@ -4942,9 +4858,9 @@
                 <a:ea typeface="Verdana" panose="020B0604030504040204" pitchFamily="34" charset="0"/>
                 <a:cs typeface="Segoe UI" panose="020B0502040204020203" pitchFamily="34" charset="0"/>
               </a:rPr>
-              <a:t>THANKS</a:t>
-            </a:r>
-            <a:endParaRPr xmlns:a="http://schemas.openxmlformats.org/drawingml/2006/main" lang="en-US" sz="9600" b="1" dirty="0">
+              <a:t>Thank you</a:t>
+            </a:r>
+            <a:endParaRPr lang="en-US" sz="9600" b="1" dirty="0">
               <a:solidFill>
                 <a:srgbClr val="7030A0"/>
               </a:solidFill>
@@ -4963,8 +4879,8 @@
         </p:nvSpPr>
         <p:spPr>
           <a:xfrm>
-            <a:off x="3962373" y="2541714"/>
-            <a:ext cx="3456395" cy="1569660"/>
+            <a:off x="2841717" y="2582965"/>
+            <a:ext cx="6230360" cy="1569660"/>
           </a:xfrm>
           <a:prstGeom prst="rect">
             <a:avLst/>
@@ -4977,8 +4893,8 @@
           </a:bodyPr>
           <a:lstStyle/>
           <a:p>
-            <a:r xmlns:a="http://schemas.openxmlformats.org/drawingml/2006/main">
-              <a:rPr lang="en" sz="9600" b="1" dirty="0" smtClean="0">
+            <a:r>
+              <a:rPr lang="en-US" sz="9600" b="1" dirty="0" smtClean="0">
                 <a:solidFill>
                   <a:schemeClr val="bg1"/>
                 </a:solidFill>
@@ -4986,9 +4902,9 @@
                 <a:ea typeface="Verdana" panose="020B0604030504040204" pitchFamily="34" charset="0"/>
                 <a:cs typeface="Segoe UI" panose="020B0502040204020203" pitchFamily="34" charset="0"/>
               </a:rPr>
-              <a:t>THANKS</a:t>
-            </a:r>
-            <a:endParaRPr xmlns:a="http://schemas.openxmlformats.org/drawingml/2006/main" lang="en-US" sz="9600" b="1" dirty="0">
+              <a:t>Thank you</a:t>
+            </a:r>
+            <a:endParaRPr lang="en-US" sz="9600" b="1" dirty="0">
               <a:solidFill>
                 <a:schemeClr val="bg1"/>
               </a:solidFill>

--- a/English/3.Modeling/0.Adding date dimension to Model.pptx
+++ b/English/3.Modeling/0.Adding date dimension to Model.pptx
@@ -201,7 +201,7 @@
           <a:p>
             <a:fld id="{056BA3B8-9F76-4D81-B71D-76CB85363062}" type="datetimeFigureOut">
               <a:rPr lang="en-US" smtClean="0"/>
-              <a:t>4/3/2025</a:t>
+              <a:t>4/8/2025</a:t>
             </a:fld>
             <a:endParaRPr lang="en-US"/>
           </a:p>
@@ -600,7 +600,7 @@
           <a:p>
             <a:fld id="{6F01DA4D-20EA-48D2-973C-0311EC3005D6}" type="datetimeFigureOut">
               <a:rPr lang="en-US" smtClean="0"/>
-              <a:t>4/3/2025</a:t>
+              <a:t>4/8/2025</a:t>
             </a:fld>
             <a:endParaRPr lang="en-US"/>
           </a:p>
@@ -770,7 +770,7 @@
           <a:p>
             <a:fld id="{6F01DA4D-20EA-48D2-973C-0311EC3005D6}" type="datetimeFigureOut">
               <a:rPr lang="en-US" smtClean="0"/>
-              <a:t>4/3/2025</a:t>
+              <a:t>4/8/2025</a:t>
             </a:fld>
             <a:endParaRPr lang="en-US"/>
           </a:p>
@@ -950,7 +950,7 @@
           <a:p>
             <a:fld id="{6F01DA4D-20EA-48D2-973C-0311EC3005D6}" type="datetimeFigureOut">
               <a:rPr lang="en-US" smtClean="0"/>
-              <a:t>4/3/2025</a:t>
+              <a:t>4/8/2025</a:t>
             </a:fld>
             <a:endParaRPr lang="en-US"/>
           </a:p>
@@ -1120,7 +1120,7 @@
           <a:p>
             <a:fld id="{6F01DA4D-20EA-48D2-973C-0311EC3005D6}" type="datetimeFigureOut">
               <a:rPr lang="en-US" smtClean="0"/>
-              <a:t>4/3/2025</a:t>
+              <a:t>4/8/2025</a:t>
             </a:fld>
             <a:endParaRPr lang="en-US"/>
           </a:p>
@@ -1366,7 +1366,7 @@
           <a:p>
             <a:fld id="{6F01DA4D-20EA-48D2-973C-0311EC3005D6}" type="datetimeFigureOut">
               <a:rPr lang="en-US" smtClean="0"/>
-              <a:t>4/3/2025</a:t>
+              <a:t>4/8/2025</a:t>
             </a:fld>
             <a:endParaRPr lang="en-US"/>
           </a:p>
@@ -1598,7 +1598,7 @@
           <a:p>
             <a:fld id="{6F01DA4D-20EA-48D2-973C-0311EC3005D6}" type="datetimeFigureOut">
               <a:rPr lang="en-US" smtClean="0"/>
-              <a:t>4/3/2025</a:t>
+              <a:t>4/8/2025</a:t>
             </a:fld>
             <a:endParaRPr lang="en-US"/>
           </a:p>
@@ -1965,7 +1965,7 @@
           <a:p>
             <a:fld id="{6F01DA4D-20EA-48D2-973C-0311EC3005D6}" type="datetimeFigureOut">
               <a:rPr lang="en-US" smtClean="0"/>
-              <a:t>4/3/2025</a:t>
+              <a:t>4/8/2025</a:t>
             </a:fld>
             <a:endParaRPr lang="en-US"/>
           </a:p>
@@ -2083,7 +2083,7 @@
           <a:p>
             <a:fld id="{6F01DA4D-20EA-48D2-973C-0311EC3005D6}" type="datetimeFigureOut">
               <a:rPr lang="en-US" smtClean="0"/>
-              <a:t>4/3/2025</a:t>
+              <a:t>4/8/2025</a:t>
             </a:fld>
             <a:endParaRPr lang="en-US"/>
           </a:p>
@@ -2178,7 +2178,7 @@
           <a:p>
             <a:fld id="{6F01DA4D-20EA-48D2-973C-0311EC3005D6}" type="datetimeFigureOut">
               <a:rPr lang="en-US" smtClean="0"/>
-              <a:t>4/3/2025</a:t>
+              <a:t>4/8/2025</a:t>
             </a:fld>
             <a:endParaRPr lang="en-US"/>
           </a:p>
@@ -2455,7 +2455,7 @@
           <a:p>
             <a:fld id="{6F01DA4D-20EA-48D2-973C-0311EC3005D6}" type="datetimeFigureOut">
               <a:rPr lang="en-US" smtClean="0"/>
-              <a:t>4/3/2025</a:t>
+              <a:t>4/8/2025</a:t>
             </a:fld>
             <a:endParaRPr lang="en-US"/>
           </a:p>
@@ -2708,7 +2708,7 @@
           <a:p>
             <a:fld id="{6F01DA4D-20EA-48D2-973C-0311EC3005D6}" type="datetimeFigureOut">
               <a:rPr lang="en-US" smtClean="0"/>
-              <a:t>4/3/2025</a:t>
+              <a:t>4/8/2025</a:t>
             </a:fld>
             <a:endParaRPr lang="en-US"/>
           </a:p>
@@ -2921,7 +2921,7 @@
           <a:p>
             <a:fld id="{6F01DA4D-20EA-48D2-973C-0311EC3005D6}" type="datetimeFigureOut">
               <a:rPr lang="en-US" smtClean="0"/>
-              <a:t>4/3/2025</a:t>
+              <a:t>4/8/2025</a:t>
             </a:fld>
             <a:endParaRPr lang="en-US"/>
           </a:p>
